--- a/Child ANT/Instruction templates.pptx
+++ b/Child ANT/Instruction templates.pptx
@@ -268,7 +268,7 @@
           <a:p>
             <a:fld id="{160FDCC9-BE0C-4389-A947-8AEF1DAE9CDF}" type="datetimeFigureOut">
               <a:rPr lang="el-GR" smtClean="0"/>
-              <a:t>21/10/2021</a:t>
+              <a:t>21/2/2022</a:t>
             </a:fld>
             <a:endParaRPr lang="el-GR"/>
           </a:p>
@@ -468,7 +468,7 @@
           <a:p>
             <a:fld id="{160FDCC9-BE0C-4389-A947-8AEF1DAE9CDF}" type="datetimeFigureOut">
               <a:rPr lang="el-GR" smtClean="0"/>
-              <a:t>21/10/2021</a:t>
+              <a:t>21/2/2022</a:t>
             </a:fld>
             <a:endParaRPr lang="el-GR"/>
           </a:p>
@@ -678,7 +678,7 @@
           <a:p>
             <a:fld id="{160FDCC9-BE0C-4389-A947-8AEF1DAE9CDF}" type="datetimeFigureOut">
               <a:rPr lang="el-GR" smtClean="0"/>
-              <a:t>21/10/2021</a:t>
+              <a:t>21/2/2022</a:t>
             </a:fld>
             <a:endParaRPr lang="el-GR"/>
           </a:p>
@@ -878,7 +878,7 @@
           <a:p>
             <a:fld id="{160FDCC9-BE0C-4389-A947-8AEF1DAE9CDF}" type="datetimeFigureOut">
               <a:rPr lang="el-GR" smtClean="0"/>
-              <a:t>21/10/2021</a:t>
+              <a:t>21/2/2022</a:t>
             </a:fld>
             <a:endParaRPr lang="el-GR"/>
           </a:p>
@@ -1154,7 +1154,7 @@
           <a:p>
             <a:fld id="{160FDCC9-BE0C-4389-A947-8AEF1DAE9CDF}" type="datetimeFigureOut">
               <a:rPr lang="el-GR" smtClean="0"/>
-              <a:t>21/10/2021</a:t>
+              <a:t>21/2/2022</a:t>
             </a:fld>
             <a:endParaRPr lang="el-GR"/>
           </a:p>
@@ -1422,7 +1422,7 @@
           <a:p>
             <a:fld id="{160FDCC9-BE0C-4389-A947-8AEF1DAE9CDF}" type="datetimeFigureOut">
               <a:rPr lang="el-GR" smtClean="0"/>
-              <a:t>21/10/2021</a:t>
+              <a:t>21/2/2022</a:t>
             </a:fld>
             <a:endParaRPr lang="el-GR"/>
           </a:p>
@@ -1837,7 +1837,7 @@
           <a:p>
             <a:fld id="{160FDCC9-BE0C-4389-A947-8AEF1DAE9CDF}" type="datetimeFigureOut">
               <a:rPr lang="el-GR" smtClean="0"/>
-              <a:t>21/10/2021</a:t>
+              <a:t>21/2/2022</a:t>
             </a:fld>
             <a:endParaRPr lang="el-GR"/>
           </a:p>
@@ -1979,7 +1979,7 @@
           <a:p>
             <a:fld id="{160FDCC9-BE0C-4389-A947-8AEF1DAE9CDF}" type="datetimeFigureOut">
               <a:rPr lang="el-GR" smtClean="0"/>
-              <a:t>21/10/2021</a:t>
+              <a:t>21/2/2022</a:t>
             </a:fld>
             <a:endParaRPr lang="el-GR"/>
           </a:p>
@@ -2092,7 +2092,7 @@
           <a:p>
             <a:fld id="{160FDCC9-BE0C-4389-A947-8AEF1DAE9CDF}" type="datetimeFigureOut">
               <a:rPr lang="el-GR" smtClean="0"/>
-              <a:t>21/10/2021</a:t>
+              <a:t>21/2/2022</a:t>
             </a:fld>
             <a:endParaRPr lang="el-GR"/>
           </a:p>
@@ -2405,7 +2405,7 @@
           <a:p>
             <a:fld id="{160FDCC9-BE0C-4389-A947-8AEF1DAE9CDF}" type="datetimeFigureOut">
               <a:rPr lang="el-GR" smtClean="0"/>
-              <a:t>21/10/2021</a:t>
+              <a:t>21/2/2022</a:t>
             </a:fld>
             <a:endParaRPr lang="el-GR"/>
           </a:p>
@@ -2694,7 +2694,7 @@
           <a:p>
             <a:fld id="{160FDCC9-BE0C-4389-A947-8AEF1DAE9CDF}" type="datetimeFigureOut">
               <a:rPr lang="el-GR" smtClean="0"/>
-              <a:t>21/10/2021</a:t>
+              <a:t>21/2/2022</a:t>
             </a:fld>
             <a:endParaRPr lang="el-GR"/>
           </a:p>
@@ -2937,7 +2937,7 @@
           <a:p>
             <a:fld id="{160FDCC9-BE0C-4389-A947-8AEF1DAE9CDF}" type="datetimeFigureOut">
               <a:rPr lang="el-GR" smtClean="0"/>
-              <a:t>21/10/2021</a:t>
+              <a:t>21/2/2022</a:t>
             </a:fld>
             <a:endParaRPr lang="el-GR"/>
           </a:p>
@@ -3422,12 +3422,23 @@
               </a:lnSpc>
             </a:pPr>
             <a:r>
-              <a:rPr lang="el-GR" sz="2200" dirty="0">
+              <a:rPr lang="en-US" sz="2200" dirty="0">
                 <a:latin typeface="Times New Roman" panose="02020603050405020304" pitchFamily="18" charset="0"/>
                 <a:cs typeface="Times New Roman" panose="02020603050405020304" pitchFamily="18" charset="0"/>
               </a:rPr>
-              <a:t>Σε αυτό το παιχνίδι στόχος σου είναι να ταΐσεις το πεινασμένο ψάρι </a:t>
-            </a:r>
+              <a:t>In this computer game your job is to feed the hungry fish using the right and left arrow keys.</a:t>
+            </a:r>
+            <a:endParaRPr lang="en-GB" sz="2200" dirty="0">
+              <a:latin typeface="Times New Roman" panose="02020603050405020304" pitchFamily="18" charset="0"/>
+              <a:cs typeface="Times New Roman" panose="02020603050405020304" pitchFamily="18" charset="0"/>
+            </a:endParaRPr>
+          </a:p>
+          <a:p>
+            <a:pPr algn="ctr"/>
+            <a:endParaRPr lang="en-GB" sz="2200" dirty="0">
+              <a:latin typeface="Times New Roman" panose="02020603050405020304" pitchFamily="18" charset="0"/>
+              <a:cs typeface="Times New Roman" panose="02020603050405020304" pitchFamily="18" charset="0"/>
+            </a:endParaRPr>
           </a:p>
           <a:p>
             <a:pPr algn="ctr">
@@ -3440,64 +3451,43 @@
                 <a:latin typeface="Times New Roman" panose="02020603050405020304" pitchFamily="18" charset="0"/>
                 <a:cs typeface="Times New Roman" panose="02020603050405020304" pitchFamily="18" charset="0"/>
               </a:rPr>
-              <a:t>χρησιμοποιώντας το δεξί βέλος και το αριστερό βέλος του πληκτρολογίου</a:t>
-            </a:r>
-            <a:r>
-              <a:rPr lang="en-GB" sz="2200" dirty="0">
+              <a:t>   </a:t>
+            </a:r>
+            <a:r>
+              <a:rPr lang="en-US" sz="2200" dirty="0">
                 <a:latin typeface="Times New Roman" panose="02020603050405020304" pitchFamily="18" charset="0"/>
                 <a:cs typeface="Times New Roman" panose="02020603050405020304" pitchFamily="18" charset="0"/>
               </a:rPr>
-              <a:t>.</a:t>
-            </a:r>
-          </a:p>
-          <a:p>
-            <a:pPr algn="ctr"/>
-            <a:endParaRPr lang="en-GB" sz="2200" dirty="0">
-              <a:latin typeface="Times New Roman" panose="02020603050405020304" pitchFamily="18" charset="0"/>
-              <a:cs typeface="Times New Roman" panose="02020603050405020304" pitchFamily="18" charset="0"/>
-            </a:endParaRPr>
-          </a:p>
-          <a:p>
-            <a:pPr algn="ctr">
-              <a:lnSpc>
-                <a:spcPct val="150000"/>
-              </a:lnSpc>
-            </a:pPr>
+              <a:t>Once the fish appears on the screen</a:t>
+            </a:r>
             <a:r>
               <a:rPr lang="el-GR" sz="2200" dirty="0">
                 <a:latin typeface="Times New Roman" panose="02020603050405020304" pitchFamily="18" charset="0"/>
                 <a:cs typeface="Times New Roman" panose="02020603050405020304" pitchFamily="18" charset="0"/>
               </a:rPr>
-              <a:t>   Για να ταΐσεις το ψάρι, όταν αυτό εμφανιστεί στην οθόνη, χρειάζεται να </a:t>
-            </a:r>
-          </a:p>
-          <a:p>
-            <a:pPr algn="ctr">
-              <a:lnSpc>
-                <a:spcPct val="150000"/>
-              </a:lnSpc>
-            </a:pPr>
+              <a:t>,</a:t>
+            </a:r>
+            <a:r>
+              <a:rPr lang="en-US" sz="2200" dirty="0">
+                <a:latin typeface="Times New Roman" panose="02020603050405020304" pitchFamily="18" charset="0"/>
+                <a:cs typeface="Times New Roman" panose="02020603050405020304" pitchFamily="18" charset="0"/>
+              </a:rPr>
+              <a:t> you have to press the button that matches which way the fish’s mouth is pointing.</a:t>
+            </a:r>
             <a:r>
               <a:rPr lang="el-GR" sz="2200" dirty="0">
                 <a:latin typeface="Times New Roman" panose="02020603050405020304" pitchFamily="18" charset="0"/>
                 <a:cs typeface="Times New Roman" panose="02020603050405020304" pitchFamily="18" charset="0"/>
               </a:rPr>
-              <a:t>πατήσεις το πλήκτρο που αντιστοιχεί στην πλευρά που είναι στραμμένο </a:t>
-            </a:r>
-          </a:p>
-          <a:p>
-            <a:pPr algn="ctr">
-              <a:lnSpc>
-                <a:spcPct val="150000"/>
-              </a:lnSpc>
-            </a:pPr>
-            <a:r>
-              <a:rPr lang="el-GR" sz="2200" dirty="0">
-                <a:latin typeface="Times New Roman" panose="02020603050405020304" pitchFamily="18" charset="0"/>
-                <a:cs typeface="Times New Roman" panose="02020603050405020304" pitchFamily="18" charset="0"/>
-              </a:rPr>
-              <a:t>το στόμα του ψαριού. </a:t>
-            </a:r>
+              <a:t> </a:t>
+            </a:r>
+          </a:p>
+          <a:p>
+            <a:pPr algn="ctr"/>
+            <a:endParaRPr lang="en-US" sz="2200" dirty="0">
+              <a:latin typeface="Times New Roman" panose="02020603050405020304" pitchFamily="18" charset="0"/>
+              <a:cs typeface="Times New Roman" panose="02020603050405020304" pitchFamily="18" charset="0"/>
+            </a:endParaRPr>
           </a:p>
           <a:p>
             <a:pPr algn="ctr"/>
@@ -3517,21 +3507,49 @@
                 <a:latin typeface="Times New Roman" panose="02020603050405020304" pitchFamily="18" charset="0"/>
                 <a:cs typeface="Times New Roman" panose="02020603050405020304" pitchFamily="18" charset="0"/>
               </a:rPr>
-              <a:t>       	      Εάν το ψάρι κοιτάζει δεξιά    </a:t>
-            </a:r>
-            <a:r>
-              <a:rPr lang="en-GB" sz="2200" dirty="0">
+              <a:t>       	      </a:t>
+            </a:r>
+            <a:r>
+              <a:rPr lang="en-US" sz="2200" dirty="0">
                 <a:latin typeface="Times New Roman" panose="02020603050405020304" pitchFamily="18" charset="0"/>
                 <a:cs typeface="Times New Roman" panose="02020603050405020304" pitchFamily="18" charset="0"/>
               </a:rPr>
-              <a:t>          </a:t>
+              <a:t>If the fish is looking right               </a:t>
             </a:r>
             <a:r>
               <a:rPr lang="el-GR" sz="2200" dirty="0">
                 <a:latin typeface="Times New Roman" panose="02020603050405020304" pitchFamily="18" charset="0"/>
                 <a:cs typeface="Times New Roman" panose="02020603050405020304" pitchFamily="18" charset="0"/>
               </a:rPr>
-              <a:t>, τότε πατάς το δεξί βέλος.</a:t>
+              <a:t>, </a:t>
+            </a:r>
+            <a:r>
+              <a:rPr lang="en-US" sz="2200" dirty="0">
+                <a:latin typeface="Times New Roman" panose="02020603050405020304" pitchFamily="18" charset="0"/>
+                <a:cs typeface="Times New Roman" panose="02020603050405020304" pitchFamily="18" charset="0"/>
+              </a:rPr>
+              <a:t>you press the </a:t>
+            </a:r>
+            <a:r>
+              <a:rPr lang="en-US" sz="2200" b="1" dirty="0">
+                <a:latin typeface="Times New Roman" panose="02020603050405020304" pitchFamily="18" charset="0"/>
+                <a:cs typeface="Times New Roman" panose="02020603050405020304" pitchFamily="18" charset="0"/>
+              </a:rPr>
+              <a:t>right</a:t>
+            </a:r>
+            <a:r>
+              <a:rPr lang="en-US" sz="2200" dirty="0">
+                <a:latin typeface="Times New Roman" panose="02020603050405020304" pitchFamily="18" charset="0"/>
+                <a:cs typeface="Times New Roman" panose="02020603050405020304" pitchFamily="18" charset="0"/>
+              </a:rPr>
+              <a:t> arrow key</a:t>
+            </a:r>
+            <a:r>
+              <a:rPr lang="el-GR" sz="2200" dirty="0">
+                <a:latin typeface="Times New Roman" panose="02020603050405020304" pitchFamily="18" charset="0"/>
+                <a:cs typeface="Times New Roman" panose="02020603050405020304" pitchFamily="18" charset="0"/>
+              </a:rPr>
+              <a:t>.</a:t>
             </a:r>
           </a:p>
           <a:p>
@@ -3566,26 +3584,44 @@
               <a:t>	      </a:t>
             </a:r>
             <a:r>
+              <a:rPr lang="en-US" sz="2200" dirty="0">
+                <a:latin typeface="Times New Roman" panose="02020603050405020304" pitchFamily="18" charset="0"/>
+                <a:cs typeface="Times New Roman" panose="02020603050405020304" pitchFamily="18" charset="0"/>
+              </a:rPr>
+              <a:t>If the fish is looking left               </a:t>
+            </a:r>
+            <a:r>
               <a:rPr lang="el-GR" sz="2200" dirty="0">
                 <a:latin typeface="Times New Roman" panose="02020603050405020304" pitchFamily="18" charset="0"/>
                 <a:cs typeface="Times New Roman" panose="02020603050405020304" pitchFamily="18" charset="0"/>
               </a:rPr>
-              <a:t>Εάν το ψάρι κοιτάζει αριστερά     </a:t>
-            </a:r>
-            <a:r>
-              <a:rPr lang="en-GB" sz="2200" dirty="0">
+              <a:t>, </a:t>
+            </a:r>
+            <a:r>
+              <a:rPr lang="en-US" sz="2200" dirty="0">
                 <a:latin typeface="Times New Roman" panose="02020603050405020304" pitchFamily="18" charset="0"/>
                 <a:cs typeface="Times New Roman" panose="02020603050405020304" pitchFamily="18" charset="0"/>
               </a:rPr>
-              <a:t>         </a:t>
-            </a:r>
-            <a:r>
-              <a:rPr lang="el-GR" sz="2200" dirty="0">
+              <a:t>you press the </a:t>
+            </a:r>
+            <a:r>
+              <a:rPr lang="en-US" sz="2200" b="1" dirty="0">
                 <a:latin typeface="Times New Roman" panose="02020603050405020304" pitchFamily="18" charset="0"/>
                 <a:cs typeface="Times New Roman" panose="02020603050405020304" pitchFamily="18" charset="0"/>
               </a:rPr>
-              <a:t>, τότε πατάς το αριστερό βέλος. </a:t>
-            </a:r>
+              <a:t>left</a:t>
+            </a:r>
+            <a:r>
+              <a:rPr lang="en-US" sz="2200" dirty="0">
+                <a:latin typeface="Times New Roman" panose="02020603050405020304" pitchFamily="18" charset="0"/>
+                <a:cs typeface="Times New Roman" panose="02020603050405020304" pitchFamily="18" charset="0"/>
+              </a:rPr>
+              <a:t> arrow key.</a:t>
+            </a:r>
+            <a:endParaRPr lang="el-GR" sz="2200" dirty="0">
+              <a:latin typeface="Times New Roman" panose="02020603050405020304" pitchFamily="18" charset="0"/>
+              <a:cs typeface="Times New Roman" panose="02020603050405020304" pitchFamily="18" charset="0"/>
+            </a:endParaRPr>
           </a:p>
         </p:txBody>
       </p:sp>
@@ -3640,15 +3676,22 @@
           <a:p>
             <a:pPr algn="ctr"/>
             <a:r>
-              <a:rPr lang="el-GR" sz="4500" dirty="0">
+              <a:rPr lang="en-US" sz="4500" dirty="0">
                 <a:solidFill>
                   <a:schemeClr val="tx1"/>
                 </a:solidFill>
                 <a:latin typeface="Times New Roman" panose="02020603050405020304" pitchFamily="18" charset="0"/>
                 <a:cs typeface="Times New Roman" panose="02020603050405020304" pitchFamily="18" charset="0"/>
               </a:rPr>
-              <a:t>Τάισε το πεινασμένο ψάρι!</a:t>
-            </a:r>
+              <a:t>Feed the hungry fish!</a:t>
+            </a:r>
+            <a:endParaRPr lang="el-GR" sz="4500" dirty="0">
+              <a:solidFill>
+                <a:schemeClr val="tx1"/>
+              </a:solidFill>
+              <a:latin typeface="Times New Roman" panose="02020603050405020304" pitchFamily="18" charset="0"/>
+              <a:cs typeface="Times New Roman" panose="02020603050405020304" pitchFamily="18" charset="0"/>
+            </a:endParaRPr>
           </a:p>
         </p:txBody>
       </p:sp>
@@ -3674,7 +3717,7 @@
         </p:blipFill>
         <p:spPr>
           <a:xfrm>
-            <a:off x="5521344" y="4627462"/>
+            <a:off x="5409645" y="4362105"/>
             <a:ext cx="835796" cy="645842"/>
           </a:xfrm>
           <a:prstGeom prst="rect">
@@ -3704,7 +3747,7 @@
         </p:blipFill>
         <p:spPr>
           <a:xfrm>
-            <a:off x="5972632" y="5675231"/>
+            <a:off x="5260204" y="5307762"/>
             <a:ext cx="835796" cy="645842"/>
           </a:xfrm>
           <a:prstGeom prst="rect">
@@ -3712,6 +3755,48 @@
           </a:prstGeom>
         </p:spPr>
       </p:pic>
+      <p:sp>
+        <p:nvSpPr>
+          <p:cNvPr id="2" name="TextBox 1">
+            <a:extLst>
+              <a:ext uri="{FF2B5EF4-FFF2-40B4-BE49-F238E27FC236}">
+                <a16:creationId xmlns:a16="http://schemas.microsoft.com/office/drawing/2014/main" id="{C9F4804F-BE7A-46F4-921E-3F643D71B11C}"/>
+              </a:ext>
+            </a:extLst>
+          </p:cNvPr>
+          <p:cNvSpPr txBox="1"/>
+          <p:nvPr/>
+        </p:nvSpPr>
+        <p:spPr>
+          <a:xfrm>
+            <a:off x="4259968" y="6373430"/>
+            <a:ext cx="3970947" cy="369332"/>
+          </a:xfrm>
+          <a:prstGeom prst="rect">
+            <a:avLst/>
+          </a:prstGeom>
+          <a:solidFill>
+            <a:schemeClr val="bg2"/>
+          </a:solidFill>
+          <a:ln>
+            <a:solidFill>
+              <a:schemeClr val="tx1"/>
+            </a:solidFill>
+          </a:ln>
+        </p:spPr>
+        <p:txBody>
+          <a:bodyPr wrap="square" rtlCol="0">
+            <a:spAutoFit/>
+          </a:bodyPr>
+          <a:lstStyle/>
+          <a:p>
+            <a:r>
+              <a:rPr lang="en-US" dirty="0"/>
+              <a:t>Press SPACEBAR to continue instructions</a:t>
+            </a:r>
+          </a:p>
+        </p:txBody>
+      </p:sp>
     </p:spTree>
     <p:extLst>
       <p:ext uri="{BB962C8B-B14F-4D97-AF65-F5344CB8AC3E}">
@@ -3792,11 +3877,25 @@
               </a:lnSpc>
             </a:pPr>
             <a:r>
-              <a:rPr lang="el-GR" sz="2200" dirty="0">
+              <a:rPr lang="en-US" sz="2200" dirty="0">
                 <a:latin typeface="Times New Roman" panose="02020603050405020304" pitchFamily="18" charset="0"/>
                 <a:cs typeface="Times New Roman" panose="02020603050405020304" pitchFamily="18" charset="0"/>
               </a:rPr>
-              <a:t>Μερικές φορές το πεινασμένο ψάρι θα εμφανίζεται μόνο του, όπως πριν, </a:t>
+              <a:t>Sometimes the hungry fish will be alone, the way you just say, and sometimes the fish will be swimming with four other fish. When you see five fish, your job is to feed </a:t>
+            </a:r>
+            <a:r>
+              <a:rPr lang="en-US" sz="2200" u="sng" dirty="0">
+                <a:latin typeface="Times New Roman" panose="02020603050405020304" pitchFamily="18" charset="0"/>
+                <a:cs typeface="Times New Roman" panose="02020603050405020304" pitchFamily="18" charset="0"/>
+              </a:rPr>
+              <a:t>only</a:t>
+            </a:r>
+            <a:r>
+              <a:rPr lang="en-US" sz="2200" dirty="0">
+                <a:latin typeface="Times New Roman" panose="02020603050405020304" pitchFamily="18" charset="0"/>
+                <a:cs typeface="Times New Roman" panose="02020603050405020304" pitchFamily="18" charset="0"/>
+              </a:rPr>
+              <a:t> the fish in the center. </a:t>
             </a:r>
           </a:p>
           <a:p>
@@ -3806,74 +3905,25 @@
               </a:lnSpc>
             </a:pPr>
             <a:r>
-              <a:rPr lang="el-GR" sz="2200" dirty="0">
+              <a:rPr lang="en-US" sz="2200" b="1" dirty="0">
                 <a:latin typeface="Times New Roman" panose="02020603050405020304" pitchFamily="18" charset="0"/>
                 <a:cs typeface="Times New Roman" panose="02020603050405020304" pitchFamily="18" charset="0"/>
               </a:rPr>
-              <a:t>και κάποιες άλλες θα κολυμπάει μαζί με άλλα τέσσερα (4) ψάρια. Όταν </a:t>
-            </a:r>
-          </a:p>
-          <a:p>
-            <a:pPr algn="ctr">
-              <a:lnSpc>
-                <a:spcPct val="150000"/>
-              </a:lnSpc>
-            </a:pPr>
-            <a:r>
-              <a:rPr lang="el-GR" sz="2200" dirty="0">
-                <a:latin typeface="Times New Roman" panose="02020603050405020304" pitchFamily="18" charset="0"/>
-                <a:cs typeface="Times New Roman" panose="02020603050405020304" pitchFamily="18" charset="0"/>
-              </a:rPr>
-              <a:t>βλέπεις πέντε (5) ψάρια στην οθόνη, τότε ο στόχος σού είναι να ταΐσεις</a:t>
-            </a:r>
-          </a:p>
-          <a:p>
-            <a:pPr algn="ctr">
-              <a:lnSpc>
-                <a:spcPct val="150000"/>
-              </a:lnSpc>
-            </a:pPr>
-            <a:r>
-              <a:rPr lang="el-GR" sz="2200" u="sng" dirty="0">
-                <a:latin typeface="Times New Roman" panose="02020603050405020304" pitchFamily="18" charset="0"/>
-                <a:cs typeface="Times New Roman" panose="02020603050405020304" pitchFamily="18" charset="0"/>
-              </a:rPr>
-              <a:t>μόνο</a:t>
-            </a:r>
-            <a:r>
-              <a:rPr lang="el-GR" sz="2200" dirty="0">
-                <a:latin typeface="Times New Roman" panose="02020603050405020304" pitchFamily="18" charset="0"/>
-                <a:cs typeface="Times New Roman" panose="02020603050405020304" pitchFamily="18" charset="0"/>
-              </a:rPr>
-              <a:t> αυτό που βρίσκεται στο κέντρο.</a:t>
-            </a:r>
-          </a:p>
-          <a:p>
-            <a:pPr algn="ctr">
-              <a:lnSpc>
-                <a:spcPct val="150000"/>
-              </a:lnSpc>
-            </a:pPr>
+              <a:t>In this case</a:t>
+            </a:r>
             <a:r>
               <a:rPr lang="el-GR" sz="2200" b="1" dirty="0">
                 <a:latin typeface="Times New Roman" panose="02020603050405020304" pitchFamily="18" charset="0"/>
                 <a:cs typeface="Times New Roman" panose="02020603050405020304" pitchFamily="18" charset="0"/>
               </a:rPr>
-              <a:t>Σε αυτή τη περίπτωση, αυτό που μετράει είναι το </a:t>
-            </a:r>
-            <a:r>
-              <a:rPr lang="el-GR" sz="2200" b="1" u="sng" dirty="0">
+              <a:t>, </a:t>
+            </a:r>
+            <a:r>
+              <a:rPr lang="en-US" sz="2200" b="1" dirty="0">
                 <a:latin typeface="Times New Roman" panose="02020603050405020304" pitchFamily="18" charset="0"/>
                 <a:cs typeface="Times New Roman" panose="02020603050405020304" pitchFamily="18" charset="0"/>
               </a:rPr>
-              <a:t>που κοιτάζει το μεσαίο ψάρι</a:t>
-            </a:r>
-            <a:r>
-              <a:rPr lang="el-GR" sz="2200" b="1" dirty="0">
-                <a:latin typeface="Times New Roman" panose="02020603050405020304" pitchFamily="18" charset="0"/>
-                <a:cs typeface="Times New Roman" panose="02020603050405020304" pitchFamily="18" charset="0"/>
-              </a:rPr>
-              <a:t>.</a:t>
+              <a:t>what matters is where the middle fish is pointing.</a:t>
             </a:r>
           </a:p>
           <a:p>
@@ -3983,15 +4033,22 @@
           <a:p>
             <a:pPr algn="ctr"/>
             <a:r>
-              <a:rPr lang="el-GR" sz="4500" dirty="0">
+              <a:rPr lang="en-US" sz="4500" dirty="0">
                 <a:solidFill>
                   <a:schemeClr val="tx1"/>
                 </a:solidFill>
                 <a:latin typeface="Times New Roman" panose="02020603050405020304" pitchFamily="18" charset="0"/>
                 <a:cs typeface="Times New Roman" panose="02020603050405020304" pitchFamily="18" charset="0"/>
               </a:rPr>
-              <a:t>Τάισε το πεινασμένο ψάρι!</a:t>
-            </a:r>
+              <a:t>Feed the hungry fish!</a:t>
+            </a:r>
+            <a:endParaRPr lang="el-GR" sz="4500" dirty="0">
+              <a:solidFill>
+                <a:schemeClr val="tx1"/>
+              </a:solidFill>
+              <a:latin typeface="Times New Roman" panose="02020603050405020304" pitchFamily="18" charset="0"/>
+              <a:cs typeface="Times New Roman" panose="02020603050405020304" pitchFamily="18" charset="0"/>
+            </a:endParaRPr>
           </a:p>
         </p:txBody>
       </p:sp>
@@ -4017,7 +4074,7 @@
         </p:blipFill>
         <p:spPr>
           <a:xfrm>
-            <a:off x="2285400" y="4070783"/>
+            <a:off x="2396495" y="3478677"/>
             <a:ext cx="3467332" cy="580552"/>
           </a:xfrm>
           <a:prstGeom prst="rect">
@@ -4039,7 +4096,7 @@
         </p:nvSpPr>
         <p:spPr>
           <a:xfrm>
-            <a:off x="3668398" y="4021106"/>
+            <a:off x="3779493" y="3429000"/>
             <a:ext cx="701336" cy="669854"/>
           </a:xfrm>
           <a:prstGeom prst="ellipse">
@@ -4099,7 +4156,7 @@
         </p:blipFill>
         <p:spPr>
           <a:xfrm flipH="1">
-            <a:off x="2285400" y="4750853"/>
+            <a:off x="2396495" y="4158747"/>
             <a:ext cx="3467332" cy="580552"/>
           </a:xfrm>
           <a:prstGeom prst="rect">
@@ -4121,7 +4178,7 @@
         </p:nvSpPr>
         <p:spPr>
           <a:xfrm>
-            <a:off x="3668398" y="4728038"/>
+            <a:off x="3779493" y="4135932"/>
             <a:ext cx="701336" cy="669854"/>
           </a:xfrm>
           <a:prstGeom prst="ellipse">
@@ -4181,7 +4238,7 @@
         </p:blipFill>
         <p:spPr>
           <a:xfrm>
-            <a:off x="2285400" y="5436227"/>
+            <a:off x="2396495" y="4844121"/>
             <a:ext cx="3467332" cy="580552"/>
           </a:xfrm>
           <a:prstGeom prst="rect">
@@ -4203,7 +4260,7 @@
         </p:nvSpPr>
         <p:spPr>
           <a:xfrm>
-            <a:off x="3668398" y="5403535"/>
+            <a:off x="3779493" y="4811429"/>
             <a:ext cx="701336" cy="669854"/>
           </a:xfrm>
           <a:prstGeom prst="ellipse">
@@ -4263,7 +4320,7 @@
         </p:blipFill>
         <p:spPr>
           <a:xfrm flipH="1">
-            <a:off x="2285400" y="6114016"/>
+            <a:off x="2396495" y="5521910"/>
             <a:ext cx="3467332" cy="580552"/>
           </a:xfrm>
           <a:prstGeom prst="rect">
@@ -4285,7 +4342,7 @@
         </p:nvSpPr>
         <p:spPr>
           <a:xfrm>
-            <a:off x="3668398" y="6069365"/>
+            <a:off x="3779493" y="5477259"/>
             <a:ext cx="701336" cy="669854"/>
           </a:xfrm>
           <a:prstGeom prst="ellipse">
@@ -4337,7 +4394,7 @@
         </p:nvSpPr>
         <p:spPr>
           <a:xfrm>
-            <a:off x="6708559" y="4140589"/>
+            <a:off x="6819654" y="3548483"/>
             <a:ext cx="3168514" cy="430887"/>
           </a:xfrm>
           <a:prstGeom prst="rect">
@@ -4351,22 +4408,99 @@
           </a:bodyPr>
           <a:lstStyle/>
           <a:p>
+            <a:r>
+              <a:rPr lang="en-US" sz="2200" dirty="0">
+                <a:latin typeface="Times New Roman" panose="02020603050405020304" pitchFamily="18" charset="0"/>
+                <a:cs typeface="Times New Roman" panose="02020603050405020304" pitchFamily="18" charset="0"/>
+              </a:rPr>
+              <a:t>Press the </a:t>
+            </a:r>
+            <a:r>
+              <a:rPr lang="en-US" sz="2200" b="1" dirty="0">
+                <a:latin typeface="Times New Roman" panose="02020603050405020304" pitchFamily="18" charset="0"/>
+                <a:cs typeface="Times New Roman" panose="02020603050405020304" pitchFamily="18" charset="0"/>
+              </a:rPr>
+              <a:t>right</a:t>
+            </a:r>
+            <a:r>
+              <a:rPr lang="en-US" sz="2200" dirty="0">
+                <a:latin typeface="Times New Roman" panose="02020603050405020304" pitchFamily="18" charset="0"/>
+                <a:cs typeface="Times New Roman" panose="02020603050405020304" pitchFamily="18" charset="0"/>
+              </a:rPr>
+              <a:t> arrow key.</a:t>
+            </a:r>
+            <a:endParaRPr lang="el-GR" sz="2200" dirty="0">
+              <a:latin typeface="Times New Roman" panose="02020603050405020304" pitchFamily="18" charset="0"/>
+              <a:cs typeface="Times New Roman" panose="02020603050405020304" pitchFamily="18" charset="0"/>
+            </a:endParaRPr>
+          </a:p>
+        </p:txBody>
+      </p:sp>
+      <p:sp>
+        <p:nvSpPr>
+          <p:cNvPr id="15" name="TextBox 14">
+            <a:extLst>
+              <a:ext uri="{FF2B5EF4-FFF2-40B4-BE49-F238E27FC236}">
+                <a16:creationId xmlns:a16="http://schemas.microsoft.com/office/drawing/2014/main" id="{2713C832-1D85-457F-A358-E26D81B747BE}"/>
+              </a:ext>
+            </a:extLst>
+          </p:cNvPr>
+          <p:cNvSpPr txBox="1"/>
+          <p:nvPr/>
+        </p:nvSpPr>
+        <p:spPr>
+          <a:xfrm>
+            <a:off x="6791429" y="4233579"/>
+            <a:ext cx="3635518" cy="430887"/>
+          </a:xfrm>
+          <a:prstGeom prst="rect">
+            <a:avLst/>
+          </a:prstGeom>
+          <a:noFill/>
+        </p:spPr>
+        <p:txBody>
+          <a:bodyPr wrap="square" rtlCol="0">
+            <a:spAutoFit/>
+          </a:bodyPr>
+          <a:lstStyle/>
+          <a:p>
+            <a:r>
+              <a:rPr lang="en-US" sz="2200" dirty="0">
+                <a:latin typeface="Times New Roman" panose="02020603050405020304" pitchFamily="18" charset="0"/>
+                <a:cs typeface="Times New Roman" panose="02020603050405020304" pitchFamily="18" charset="0"/>
+              </a:rPr>
+              <a:t>Press the </a:t>
+            </a:r>
+            <a:r>
+              <a:rPr lang="en-US" sz="2200" b="1" dirty="0">
+                <a:latin typeface="Times New Roman" panose="02020603050405020304" pitchFamily="18" charset="0"/>
+                <a:cs typeface="Times New Roman" panose="02020603050405020304" pitchFamily="18" charset="0"/>
+              </a:rPr>
+              <a:t>left</a:t>
+            </a:r>
+            <a:r>
+              <a:rPr lang="en-US" sz="2200" dirty="0">
+                <a:latin typeface="Times New Roman" panose="02020603050405020304" pitchFamily="18" charset="0"/>
+                <a:cs typeface="Times New Roman" panose="02020603050405020304" pitchFamily="18" charset="0"/>
+              </a:rPr>
+              <a:t> arrow key</a:t>
+            </a:r>
             <a:r>
               <a:rPr lang="el-GR" sz="2200" dirty="0">
                 <a:latin typeface="Times New Roman" panose="02020603050405020304" pitchFamily="18" charset="0"/>
                 <a:cs typeface="Times New Roman" panose="02020603050405020304" pitchFamily="18" charset="0"/>
               </a:rPr>
-              <a:t>Πάτησε το δεξί πλήκτρο.</a:t>
-            </a:r>
-          </a:p>
-        </p:txBody>
-      </p:sp>
-      <p:sp>
-        <p:nvSpPr>
-          <p:cNvPr id="15" name="TextBox 14">
-            <a:extLst>
-              <a:ext uri="{FF2B5EF4-FFF2-40B4-BE49-F238E27FC236}">
-                <a16:creationId xmlns:a16="http://schemas.microsoft.com/office/drawing/2014/main" id="{2713C832-1D85-457F-A358-E26D81B747BE}"/>
+              <a:t>.</a:t>
+            </a:r>
+          </a:p>
+        </p:txBody>
+      </p:sp>
+      <p:sp>
+        <p:nvSpPr>
+          <p:cNvPr id="16" name="TextBox 15">
+            <a:extLst>
+              <a:ext uri="{FF2B5EF4-FFF2-40B4-BE49-F238E27FC236}">
+                <a16:creationId xmlns:a16="http://schemas.microsoft.com/office/drawing/2014/main" id="{B5092297-C1F5-4F23-8539-38E3B86257C1}"/>
               </a:ext>
             </a:extLst>
           </p:cNvPr>
@@ -4375,7 +4509,7 @@
         </p:nvSpPr>
         <p:spPr>
           <a:xfrm>
-            <a:off x="6680334" y="4825685"/>
+            <a:off x="6791429" y="4918675"/>
             <a:ext cx="3635518" cy="430887"/>
           </a:xfrm>
           <a:prstGeom prst="rect">
@@ -4389,22 +4523,43 @@
           </a:bodyPr>
           <a:lstStyle/>
           <a:p>
+            <a:r>
+              <a:rPr lang="en-US" sz="2200" dirty="0">
+                <a:latin typeface="Times New Roman" panose="02020603050405020304" pitchFamily="18" charset="0"/>
+                <a:cs typeface="Times New Roman" panose="02020603050405020304" pitchFamily="18" charset="0"/>
+              </a:rPr>
+              <a:t>Press the </a:t>
+            </a:r>
+            <a:r>
+              <a:rPr lang="en-US" sz="2200" b="1" dirty="0">
+                <a:latin typeface="Times New Roman" panose="02020603050405020304" pitchFamily="18" charset="0"/>
+                <a:cs typeface="Times New Roman" panose="02020603050405020304" pitchFamily="18" charset="0"/>
+              </a:rPr>
+              <a:t>right</a:t>
+            </a:r>
+            <a:r>
+              <a:rPr lang="en-US" sz="2200" dirty="0">
+                <a:latin typeface="Times New Roman" panose="02020603050405020304" pitchFamily="18" charset="0"/>
+                <a:cs typeface="Times New Roman" panose="02020603050405020304" pitchFamily="18" charset="0"/>
+              </a:rPr>
+              <a:t> arrow key</a:t>
+            </a:r>
             <a:r>
               <a:rPr lang="el-GR" sz="2200" dirty="0">
                 <a:latin typeface="Times New Roman" panose="02020603050405020304" pitchFamily="18" charset="0"/>
                 <a:cs typeface="Times New Roman" panose="02020603050405020304" pitchFamily="18" charset="0"/>
               </a:rPr>
-              <a:t>Πάτησε το αριστερό πλήκτρο.</a:t>
-            </a:r>
-          </a:p>
-        </p:txBody>
-      </p:sp>
-      <p:sp>
-        <p:nvSpPr>
-          <p:cNvPr id="16" name="TextBox 15">
-            <a:extLst>
-              <a:ext uri="{FF2B5EF4-FFF2-40B4-BE49-F238E27FC236}">
-                <a16:creationId xmlns:a16="http://schemas.microsoft.com/office/drawing/2014/main" id="{B5092297-C1F5-4F23-8539-38E3B86257C1}"/>
+              <a:t>.</a:t>
+            </a:r>
+          </a:p>
+        </p:txBody>
+      </p:sp>
+      <p:sp>
+        <p:nvSpPr>
+          <p:cNvPr id="17" name="TextBox 16">
+            <a:extLst>
+              <a:ext uri="{FF2B5EF4-FFF2-40B4-BE49-F238E27FC236}">
+                <a16:creationId xmlns:a16="http://schemas.microsoft.com/office/drawing/2014/main" id="{C4D76DA2-C317-4B4D-AFC0-839A1EA2B5CD}"/>
               </a:ext>
             </a:extLst>
           </p:cNvPr>
@@ -4413,7 +4568,7 @@
         </p:nvSpPr>
         <p:spPr>
           <a:xfrm>
-            <a:off x="6680334" y="5510781"/>
+            <a:off x="6791429" y="5596742"/>
             <a:ext cx="3635518" cy="430887"/>
           </a:xfrm>
           <a:prstGeom prst="rect">
@@ -4427,50 +4582,33 @@
           </a:bodyPr>
           <a:lstStyle/>
           <a:p>
+            <a:r>
+              <a:rPr lang="en-US" sz="2200" dirty="0">
+                <a:latin typeface="Times New Roman" panose="02020603050405020304" pitchFamily="18" charset="0"/>
+                <a:cs typeface="Times New Roman" panose="02020603050405020304" pitchFamily="18" charset="0"/>
+              </a:rPr>
+              <a:t>Press the </a:t>
+            </a:r>
+            <a:r>
+              <a:rPr lang="en-US" sz="2200" b="1" dirty="0">
+                <a:latin typeface="Times New Roman" panose="02020603050405020304" pitchFamily="18" charset="0"/>
+                <a:cs typeface="Times New Roman" panose="02020603050405020304" pitchFamily="18" charset="0"/>
+              </a:rPr>
+              <a:t>left</a:t>
+            </a:r>
+            <a:r>
+              <a:rPr lang="en-US" sz="2200" dirty="0">
+                <a:latin typeface="Times New Roman" panose="02020603050405020304" pitchFamily="18" charset="0"/>
+                <a:cs typeface="Times New Roman" panose="02020603050405020304" pitchFamily="18" charset="0"/>
+              </a:rPr>
+              <a:t> arrow key</a:t>
+            </a:r>
             <a:r>
               <a:rPr lang="el-GR" sz="2200" dirty="0">
                 <a:latin typeface="Times New Roman" panose="02020603050405020304" pitchFamily="18" charset="0"/>
                 <a:cs typeface="Times New Roman" panose="02020603050405020304" pitchFamily="18" charset="0"/>
               </a:rPr>
-              <a:t>Πάτησε το δεξί πλήκτρο.</a:t>
-            </a:r>
-          </a:p>
-        </p:txBody>
-      </p:sp>
-      <p:sp>
-        <p:nvSpPr>
-          <p:cNvPr id="17" name="TextBox 16">
-            <a:extLst>
-              <a:ext uri="{FF2B5EF4-FFF2-40B4-BE49-F238E27FC236}">
-                <a16:creationId xmlns:a16="http://schemas.microsoft.com/office/drawing/2014/main" id="{C4D76DA2-C317-4B4D-AFC0-839A1EA2B5CD}"/>
-              </a:ext>
-            </a:extLst>
-          </p:cNvPr>
-          <p:cNvSpPr txBox="1"/>
-          <p:nvPr/>
-        </p:nvSpPr>
-        <p:spPr>
-          <a:xfrm>
-            <a:off x="6680334" y="6188848"/>
-            <a:ext cx="3635518" cy="430887"/>
-          </a:xfrm>
-          <a:prstGeom prst="rect">
-            <a:avLst/>
-          </a:prstGeom>
-          <a:noFill/>
-        </p:spPr>
-        <p:txBody>
-          <a:bodyPr wrap="square" rtlCol="0">
-            <a:spAutoFit/>
-          </a:bodyPr>
-          <a:lstStyle/>
-          <a:p>
-            <a:r>
-              <a:rPr lang="el-GR" sz="2200" dirty="0">
-                <a:latin typeface="Times New Roman" panose="02020603050405020304" pitchFamily="18" charset="0"/>
-                <a:cs typeface="Times New Roman" panose="02020603050405020304" pitchFamily="18" charset="0"/>
-              </a:rPr>
-              <a:t>Πάτησε το αριστερό πλήκτρο.</a:t>
+              <a:t>.</a:t>
             </a:r>
           </a:p>
         </p:txBody>
@@ -4489,7 +4627,7 @@
         </p:nvCxnSpPr>
         <p:spPr>
           <a:xfrm>
-            <a:off x="5912528" y="4356032"/>
+            <a:off x="6023623" y="3763926"/>
             <a:ext cx="767806" cy="0"/>
           </a:xfrm>
           <a:prstGeom prst="line">
@@ -4525,7 +4663,7 @@
         </p:nvCxnSpPr>
         <p:spPr>
           <a:xfrm>
-            <a:off x="5898416" y="5059276"/>
+            <a:off x="6009511" y="4467170"/>
             <a:ext cx="767806" cy="0"/>
           </a:xfrm>
           <a:prstGeom prst="line">
@@ -4561,7 +4699,7 @@
         </p:nvCxnSpPr>
         <p:spPr>
           <a:xfrm>
-            <a:off x="5898416" y="5738462"/>
+            <a:off x="6009511" y="5146356"/>
             <a:ext cx="767806" cy="0"/>
           </a:xfrm>
           <a:prstGeom prst="line">
@@ -4597,7 +4735,7 @@
         </p:nvCxnSpPr>
         <p:spPr>
           <a:xfrm>
-            <a:off x="5884876" y="6404291"/>
+            <a:off x="5995971" y="5812185"/>
             <a:ext cx="767806" cy="0"/>
           </a:xfrm>
           <a:prstGeom prst="line">
@@ -4619,6 +4757,48 @@
           </a:fontRef>
         </p:style>
       </p:cxnSp>
+      <p:sp>
+        <p:nvSpPr>
+          <p:cNvPr id="23" name="TextBox 22">
+            <a:extLst>
+              <a:ext uri="{FF2B5EF4-FFF2-40B4-BE49-F238E27FC236}">
+                <a16:creationId xmlns:a16="http://schemas.microsoft.com/office/drawing/2014/main" id="{7473C75B-4B41-4513-A57F-B32176506879}"/>
+              </a:ext>
+            </a:extLst>
+          </p:cNvPr>
+          <p:cNvSpPr txBox="1"/>
+          <p:nvPr/>
+        </p:nvSpPr>
+        <p:spPr>
+          <a:xfrm>
+            <a:off x="4259968" y="6373430"/>
+            <a:ext cx="3970947" cy="369332"/>
+          </a:xfrm>
+          <a:prstGeom prst="rect">
+            <a:avLst/>
+          </a:prstGeom>
+          <a:solidFill>
+            <a:schemeClr val="bg2"/>
+          </a:solidFill>
+          <a:ln>
+            <a:solidFill>
+              <a:schemeClr val="tx1"/>
+            </a:solidFill>
+          </a:ln>
+        </p:spPr>
+        <p:txBody>
+          <a:bodyPr wrap="square" rtlCol="0">
+            <a:spAutoFit/>
+          </a:bodyPr>
+          <a:lstStyle/>
+          <a:p>
+            <a:r>
+              <a:rPr lang="en-US" dirty="0"/>
+              <a:t>Press SPACEBAR to continue instructions</a:t>
+            </a:r>
+          </a:p>
+        </p:txBody>
+      </p:sp>
     </p:spTree>
     <p:extLst>
       <p:ext uri="{BB962C8B-B14F-4D97-AF65-F5344CB8AC3E}">
@@ -4699,25 +4879,18 @@
               </a:lnSpc>
             </a:pPr>
             <a:r>
+              <a:rPr lang="en-US" sz="2200" dirty="0">
+                <a:latin typeface="Times New Roman" panose="02020603050405020304" pitchFamily="18" charset="0"/>
+                <a:cs typeface="Times New Roman" panose="02020603050405020304" pitchFamily="18" charset="0"/>
+              </a:rPr>
+              <a:t>Before the fish is presented, you will see a small cross (+) at the center of the screen. </a:t>
+            </a:r>
+            <a:r>
               <a:rPr lang="el-GR" sz="2200" dirty="0">
                 <a:latin typeface="Times New Roman" panose="02020603050405020304" pitchFamily="18" charset="0"/>
                 <a:cs typeface="Times New Roman" panose="02020603050405020304" pitchFamily="18" charset="0"/>
               </a:rPr>
-              <a:t>Πριν εμφανιστεί το ψάρι, θα εμφανίζεται ένας μικρός σταυρός (+) </a:t>
-            </a:r>
-          </a:p>
-          <a:p>
-            <a:pPr algn="ctr">
-              <a:lnSpc>
-                <a:spcPct val="150000"/>
-              </a:lnSpc>
-            </a:pPr>
-            <a:r>
-              <a:rPr lang="el-GR" sz="2200" dirty="0">
-                <a:latin typeface="Times New Roman" panose="02020603050405020304" pitchFamily="18" charset="0"/>
-                <a:cs typeface="Times New Roman" panose="02020603050405020304" pitchFamily="18" charset="0"/>
-              </a:rPr>
-              <a:t>στο κέντρο της οθόνης.  </a:t>
+              <a:t>  </a:t>
             </a:r>
           </a:p>
           <a:p>
@@ -4849,15 +5022,22 @@
           <a:p>
             <a:pPr algn="ctr"/>
             <a:r>
-              <a:rPr lang="el-GR" sz="4500" dirty="0">
+              <a:rPr lang="en-US" sz="4500" dirty="0">
                 <a:solidFill>
                   <a:schemeClr val="tx1"/>
                 </a:solidFill>
                 <a:latin typeface="Times New Roman" panose="02020603050405020304" pitchFamily="18" charset="0"/>
                 <a:cs typeface="Times New Roman" panose="02020603050405020304" pitchFamily="18" charset="0"/>
               </a:rPr>
-              <a:t>Τάισε το πεινασμένο ψάρι!</a:t>
-            </a:r>
+              <a:t>Feed the hungry fish!</a:t>
+            </a:r>
+            <a:endParaRPr lang="el-GR" sz="4500" dirty="0">
+              <a:solidFill>
+                <a:schemeClr val="tx1"/>
+              </a:solidFill>
+              <a:latin typeface="Times New Roman" panose="02020603050405020304" pitchFamily="18" charset="0"/>
+              <a:cs typeface="Times New Roman" panose="02020603050405020304" pitchFamily="18" charset="0"/>
+            </a:endParaRPr>
           </a:p>
         </p:txBody>
       </p:sp>
@@ -4875,7 +5055,7 @@
         </p:nvSpPr>
         <p:spPr>
           <a:xfrm>
-            <a:off x="2125981" y="5073324"/>
+            <a:off x="2091798" y="4776119"/>
             <a:ext cx="8695898" cy="1107996"/>
           </a:xfrm>
           <a:prstGeom prst="rect">
@@ -4889,27 +5069,38 @@
           </a:bodyPr>
           <a:lstStyle/>
           <a:p>
+            <a:r>
+              <a:rPr lang="en-US" sz="2200" dirty="0">
+                <a:latin typeface="Times New Roman" panose="02020603050405020304" pitchFamily="18" charset="0"/>
+                <a:cs typeface="Times New Roman" panose="02020603050405020304" pitchFamily="18" charset="0"/>
+              </a:rPr>
+              <a:t>Try to look at this cross throughout the entire game. </a:t>
+            </a:r>
+            <a:endParaRPr lang="el-GR" sz="2200" dirty="0">
+              <a:latin typeface="Times New Roman" panose="02020603050405020304" pitchFamily="18" charset="0"/>
+              <a:cs typeface="Times New Roman" panose="02020603050405020304" pitchFamily="18" charset="0"/>
+            </a:endParaRPr>
+          </a:p>
+          <a:p>
+            <a:endParaRPr lang="el-GR" sz="2200" dirty="0">
+              <a:latin typeface="Times New Roman" panose="02020603050405020304" pitchFamily="18" charset="0"/>
+              <a:cs typeface="Times New Roman" panose="02020603050405020304" pitchFamily="18" charset="0"/>
+            </a:endParaRPr>
+          </a:p>
+          <a:p>
+            <a:r>
+              <a:rPr lang="en-US" sz="2200" dirty="0">
+                <a:latin typeface="Times New Roman" panose="02020603050405020304" pitchFamily="18" charset="0"/>
+                <a:cs typeface="Times New Roman" panose="02020603050405020304" pitchFamily="18" charset="0"/>
+              </a:rPr>
+              <a:t>The fish will appear either above or below this cross</a:t>
+            </a:r>
             <a:r>
               <a:rPr lang="el-GR" sz="2200" dirty="0">
                 <a:latin typeface="Times New Roman" panose="02020603050405020304" pitchFamily="18" charset="0"/>
                 <a:cs typeface="Times New Roman" panose="02020603050405020304" pitchFamily="18" charset="0"/>
               </a:rPr>
-              <a:t>Προσπάθησε να κοιτάς το μικρό σταυρό κατά τη διάρκεια του παιχνιδιού.</a:t>
-            </a:r>
-          </a:p>
-          <a:p>
-            <a:endParaRPr lang="el-GR" sz="2200" dirty="0">
-              <a:latin typeface="Times New Roman" panose="02020603050405020304" pitchFamily="18" charset="0"/>
-              <a:cs typeface="Times New Roman" panose="02020603050405020304" pitchFamily="18" charset="0"/>
-            </a:endParaRPr>
-          </a:p>
-          <a:p>
-            <a:r>
-              <a:rPr lang="el-GR" sz="2200" dirty="0">
-                <a:latin typeface="Times New Roman" panose="02020603050405020304" pitchFamily="18" charset="0"/>
-                <a:cs typeface="Times New Roman" panose="02020603050405020304" pitchFamily="18" charset="0"/>
-              </a:rPr>
-              <a:t>Το ψάρι θα εμφανίζεται είτε πάνω είτε κάτω από αυτό το σταυρό.</a:t>
+              <a:t>.</a:t>
             </a:r>
           </a:p>
         </p:txBody>
@@ -5187,6 +5378,48 @@
           <a:p>
             <a:pPr algn="ctr"/>
             <a:endParaRPr lang="el-GR"/>
+          </a:p>
+        </p:txBody>
+      </p:sp>
+      <p:sp>
+        <p:nvSpPr>
+          <p:cNvPr id="11" name="TextBox 10">
+            <a:extLst>
+              <a:ext uri="{FF2B5EF4-FFF2-40B4-BE49-F238E27FC236}">
+                <a16:creationId xmlns:a16="http://schemas.microsoft.com/office/drawing/2014/main" id="{BCE39687-1E76-4206-9AAA-90AB8AC92A09}"/>
+              </a:ext>
+            </a:extLst>
+          </p:cNvPr>
+          <p:cNvSpPr txBox="1"/>
+          <p:nvPr/>
+        </p:nvSpPr>
+        <p:spPr>
+          <a:xfrm>
+            <a:off x="4259968" y="6373430"/>
+            <a:ext cx="3970947" cy="369332"/>
+          </a:xfrm>
+          <a:prstGeom prst="rect">
+            <a:avLst/>
+          </a:prstGeom>
+          <a:solidFill>
+            <a:schemeClr val="bg2"/>
+          </a:solidFill>
+          <a:ln>
+            <a:solidFill>
+              <a:schemeClr val="tx1"/>
+            </a:solidFill>
+          </a:ln>
+        </p:spPr>
+        <p:txBody>
+          <a:bodyPr wrap="square" rtlCol="0">
+            <a:spAutoFit/>
+          </a:bodyPr>
+          <a:lstStyle/>
+          <a:p>
+            <a:r>
+              <a:rPr lang="en-US" dirty="0"/>
+              <a:t>Press SPACEBAR to continue instructions</a:t>
+            </a:r>
           </a:p>
         </p:txBody>
       </p:sp>
@@ -5281,12 +5514,30 @@
               </a:lnSpc>
             </a:pPr>
             <a:r>
+              <a:rPr lang="en-US" sz="2200" dirty="0">
+                <a:latin typeface="Times New Roman" panose="02020603050405020304" pitchFamily="18" charset="0"/>
+                <a:cs typeface="Times New Roman" panose="02020603050405020304" pitchFamily="18" charset="0"/>
+              </a:rPr>
+              <a:t>Sometimes, an asterisk </a:t>
+            </a:r>
+            <a:r>
               <a:rPr lang="el-GR" sz="2200" dirty="0">
                 <a:latin typeface="Times New Roman" panose="02020603050405020304" pitchFamily="18" charset="0"/>
                 <a:cs typeface="Times New Roman" panose="02020603050405020304" pitchFamily="18" charset="0"/>
               </a:rPr>
-              <a:t>Κάποιες φορές μπορεί να εμφανίζεται ένα αστεράκι (*) στην οθόνη. </a:t>
-            </a:r>
+              <a:t>(*)</a:t>
+            </a:r>
+            <a:r>
+              <a:rPr lang="en-US" sz="2200" dirty="0">
+                <a:latin typeface="Times New Roman" panose="02020603050405020304" pitchFamily="18" charset="0"/>
+                <a:cs typeface="Times New Roman" panose="02020603050405020304" pitchFamily="18" charset="0"/>
+              </a:rPr>
+              <a:t> might be presented on the screen. </a:t>
+            </a:r>
+            <a:endParaRPr lang="el-GR" sz="2200" dirty="0">
+              <a:latin typeface="Times New Roman" panose="02020603050405020304" pitchFamily="18" charset="0"/>
+              <a:cs typeface="Times New Roman" panose="02020603050405020304" pitchFamily="18" charset="0"/>
+            </a:endParaRPr>
           </a:p>
           <a:p>
             <a:pPr algn="ctr">
@@ -5295,11 +5546,18 @@
               </a:lnSpc>
             </a:pPr>
             <a:r>
+              <a:rPr lang="en-US" sz="2200" dirty="0">
+                <a:latin typeface="Times New Roman" panose="02020603050405020304" pitchFamily="18" charset="0"/>
+                <a:cs typeface="Times New Roman" panose="02020603050405020304" pitchFamily="18" charset="0"/>
+              </a:rPr>
+              <a:t>This asterisk is a cue that the fish will appear soon.</a:t>
+            </a:r>
+            <a:r>
               <a:rPr lang="el-GR" sz="2200" dirty="0">
                 <a:latin typeface="Times New Roman" panose="02020603050405020304" pitchFamily="18" charset="0"/>
                 <a:cs typeface="Times New Roman" panose="02020603050405020304" pitchFamily="18" charset="0"/>
               </a:rPr>
-              <a:t>Το αστεράκι αυτό είναι ένα σημάδι ότι το ψάρι θα εμφανιστεί σύντομα. </a:t>
+              <a:t> </a:t>
             </a:r>
           </a:p>
           <a:p>
@@ -5442,6 +5700,16 @@
           <a:p>
             <a:pPr algn="ctr"/>
             <a:r>
+              <a:rPr lang="en-US" sz="4500" dirty="0">
+                <a:solidFill>
+                  <a:schemeClr val="tx1"/>
+                </a:solidFill>
+                <a:latin typeface="Times New Roman" panose="02020603050405020304" pitchFamily="18" charset="0"/>
+                <a:cs typeface="Times New Roman" panose="02020603050405020304" pitchFamily="18" charset="0"/>
+              </a:rPr>
+              <a:t>Feed the hungry fish</a:t>
+            </a:r>
+            <a:r>
               <a:rPr lang="el-GR" sz="4500" dirty="0">
                 <a:solidFill>
                   <a:schemeClr val="tx1"/>
@@ -5449,7 +5717,7 @@
                 <a:latin typeface="Times New Roman" panose="02020603050405020304" pitchFamily="18" charset="0"/>
                 <a:cs typeface="Times New Roman" panose="02020603050405020304" pitchFamily="18" charset="0"/>
               </a:rPr>
-              <a:t>Τάισε το πεινασμένο ψάρι!</a:t>
+              <a:t>!</a:t>
             </a:r>
           </a:p>
         </p:txBody>
@@ -5468,8 +5736,8 @@
         </p:nvSpPr>
         <p:spPr>
           <a:xfrm>
-            <a:off x="1265464" y="4947171"/>
-            <a:ext cx="3822058" cy="707886"/>
+            <a:off x="1900878" y="5049720"/>
+            <a:ext cx="3822058" cy="1015663"/>
           </a:xfrm>
           <a:prstGeom prst="rect">
             <a:avLst/>
@@ -5484,31 +5752,25 @@
           <a:p>
             <a:pPr algn="ctr"/>
             <a:r>
-              <a:rPr lang="el-GR" sz="2000" dirty="0">
+              <a:rPr lang="en-US" sz="2000" dirty="0">
                 <a:latin typeface="Times New Roman" panose="02020603050405020304" pitchFamily="18" charset="0"/>
                 <a:cs typeface="Times New Roman" panose="02020603050405020304" pitchFamily="18" charset="0"/>
               </a:rPr>
-              <a:t>Το ψάρι θα εμφανιστεί σύντομα</a:t>
-            </a:r>
-          </a:p>
-          <a:p>
-            <a:pPr algn="ctr"/>
-            <a:r>
-              <a:rPr lang="el-GR" sz="2000" dirty="0">
-                <a:latin typeface="Times New Roman" panose="02020603050405020304" pitchFamily="18" charset="0"/>
-                <a:cs typeface="Times New Roman" panose="02020603050405020304" pitchFamily="18" charset="0"/>
-              </a:rPr>
-              <a:t>αλλά δεν ξέρεις που θα εμφανιστεί.</a:t>
-            </a:r>
-          </a:p>
-        </p:txBody>
-      </p:sp>
-      <p:sp>
-        <p:nvSpPr>
-          <p:cNvPr id="7" name="Rectangle 6">
-            <a:extLst>
-              <a:ext uri="{FF2B5EF4-FFF2-40B4-BE49-F238E27FC236}">
-                <a16:creationId xmlns:a16="http://schemas.microsoft.com/office/drawing/2014/main" id="{C6FD6779-391F-4BDA-93A1-23CF335CFFB2}"/>
+              <a:t>The fish will appear soon, but you don’t know if it will appear above or below the small cross (+).</a:t>
+            </a:r>
+            <a:endParaRPr lang="el-GR" sz="2000" dirty="0">
+              <a:latin typeface="Times New Roman" panose="02020603050405020304" pitchFamily="18" charset="0"/>
+              <a:cs typeface="Times New Roman" panose="02020603050405020304" pitchFamily="18" charset="0"/>
+            </a:endParaRPr>
+          </a:p>
+        </p:txBody>
+      </p:sp>
+      <p:sp>
+        <p:nvSpPr>
+          <p:cNvPr id="12" name="Rectangle 11">
+            <a:extLst>
+              <a:ext uri="{FF2B5EF4-FFF2-40B4-BE49-F238E27FC236}">
+                <a16:creationId xmlns:a16="http://schemas.microsoft.com/office/drawing/2014/main" id="{631BB3D5-5143-42B7-95C4-FE741E2D8898}"/>
               </a:ext>
             </a:extLst>
           </p:cNvPr>
@@ -5517,8 +5779,8 @@
         </p:nvSpPr>
         <p:spPr>
           <a:xfrm>
-            <a:off x="2585459" y="3043532"/>
-            <a:ext cx="1997475" cy="1457461"/>
+            <a:off x="6446430" y="3146081"/>
+            <a:ext cx="1997474" cy="1457460"/>
           </a:xfrm>
           <a:prstGeom prst="rect">
             <a:avLst/>
@@ -5557,42 +5819,12 @@
           </a:p>
         </p:txBody>
       </p:sp>
-      <p:pic>
-        <p:nvPicPr>
-          <p:cNvPr id="2" name="Picture 1">
-            <a:extLst>
-              <a:ext uri="{FF2B5EF4-FFF2-40B4-BE49-F238E27FC236}">
-                <a16:creationId xmlns:a16="http://schemas.microsoft.com/office/drawing/2014/main" id="{5978EF30-889F-4171-893C-E08F32F76CEA}"/>
-              </a:ext>
-            </a:extLst>
-          </p:cNvPr>
-          <p:cNvPicPr>
-            <a:picLocks noChangeAspect="1"/>
-          </p:cNvPicPr>
-          <p:nvPr/>
-        </p:nvPicPr>
-        <p:blipFill>
-          <a:blip r:embed="rId2"/>
-          <a:stretch>
-            <a:fillRect/>
-          </a:stretch>
-        </p:blipFill>
-        <p:spPr>
-          <a:xfrm>
-            <a:off x="3176493" y="3376641"/>
-            <a:ext cx="815405" cy="1027197"/>
-          </a:xfrm>
-          <a:prstGeom prst="rect">
-            <a:avLst/>
-          </a:prstGeom>
-        </p:spPr>
-      </p:pic>
-      <p:sp>
-        <p:nvSpPr>
-          <p:cNvPr id="12" name="Rectangle 11">
-            <a:extLst>
-              <a:ext uri="{FF2B5EF4-FFF2-40B4-BE49-F238E27FC236}">
-                <a16:creationId xmlns:a16="http://schemas.microsoft.com/office/drawing/2014/main" id="{631BB3D5-5143-42B7-95C4-FE741E2D8898}"/>
+      <p:sp>
+        <p:nvSpPr>
+          <p:cNvPr id="31" name="Plus Sign 30">
+            <a:extLst>
+              <a:ext uri="{FF2B5EF4-FFF2-40B4-BE49-F238E27FC236}">
+                <a16:creationId xmlns:a16="http://schemas.microsoft.com/office/drawing/2014/main" id="{3012EAE3-ECA8-4404-BF3E-2AB53CCAEC74}"/>
               </a:ext>
             </a:extLst>
           </p:cNvPr>
@@ -5601,16 +5833,16 @@
         </p:nvSpPr>
         <p:spPr>
           <a:xfrm>
-            <a:off x="5811016" y="3043532"/>
-            <a:ext cx="1997474" cy="1457460"/>
-          </a:xfrm>
-          <a:prstGeom prst="rect">
+            <a:off x="7359593" y="3752540"/>
+            <a:ext cx="244461" cy="250793"/>
+          </a:xfrm>
+          <a:prstGeom prst="mathPlus">
             <a:avLst/>
           </a:prstGeom>
           <a:solidFill>
-            <a:srgbClr val="00FFFF"/>
+            <a:schemeClr val="tx1"/>
           </a:solidFill>
-          <a:ln w="19050">
+          <a:ln>
             <a:solidFill>
               <a:schemeClr val="tx1"/>
             </a:solidFill>
@@ -5643,10 +5875,10 @@
       </p:sp>
       <p:sp>
         <p:nvSpPr>
-          <p:cNvPr id="31" name="Plus Sign 30">
-            <a:extLst>
-              <a:ext uri="{FF2B5EF4-FFF2-40B4-BE49-F238E27FC236}">
-                <a16:creationId xmlns:a16="http://schemas.microsoft.com/office/drawing/2014/main" id="{3012EAE3-ECA8-4404-BF3E-2AB53CCAEC74}"/>
+          <p:cNvPr id="13" name="Rectangle 12">
+            <a:extLst>
+              <a:ext uri="{FF2B5EF4-FFF2-40B4-BE49-F238E27FC236}">
+                <a16:creationId xmlns:a16="http://schemas.microsoft.com/office/drawing/2014/main" id="{3C14D75F-B334-4F75-ADD3-8519C1CB8B09}"/>
               </a:ext>
             </a:extLst>
           </p:cNvPr>
@@ -5655,16 +5887,16 @@
         </p:nvSpPr>
         <p:spPr>
           <a:xfrm>
-            <a:off x="6724179" y="3649991"/>
-            <a:ext cx="244461" cy="250793"/>
-          </a:xfrm>
-          <a:prstGeom prst="mathPlus">
+            <a:off x="8654009" y="3146081"/>
+            <a:ext cx="1997474" cy="1457460"/>
+          </a:xfrm>
+          <a:prstGeom prst="rect">
             <a:avLst/>
           </a:prstGeom>
           <a:solidFill>
-            <a:schemeClr val="tx1"/>
+            <a:srgbClr val="00FFFF"/>
           </a:solidFill>
-          <a:ln>
+          <a:ln w="19050">
             <a:solidFill>
               <a:schemeClr val="tx1"/>
             </a:solidFill>
@@ -5697,10 +5929,10 @@
       </p:sp>
       <p:sp>
         <p:nvSpPr>
-          <p:cNvPr id="13" name="Rectangle 12">
-            <a:extLst>
-              <a:ext uri="{FF2B5EF4-FFF2-40B4-BE49-F238E27FC236}">
-                <a16:creationId xmlns:a16="http://schemas.microsoft.com/office/drawing/2014/main" id="{3C14D75F-B334-4F75-ADD3-8519C1CB8B09}"/>
+          <p:cNvPr id="14" name="Plus Sign 13">
+            <a:extLst>
+              <a:ext uri="{FF2B5EF4-FFF2-40B4-BE49-F238E27FC236}">
+                <a16:creationId xmlns:a16="http://schemas.microsoft.com/office/drawing/2014/main" id="{1FEBD60A-72B1-432A-A6C4-758B4337E9C8}"/>
               </a:ext>
             </a:extLst>
           </p:cNvPr>
@@ -5709,16 +5941,16 @@
         </p:nvSpPr>
         <p:spPr>
           <a:xfrm>
-            <a:off x="8018595" y="3043532"/>
-            <a:ext cx="1997474" cy="1457460"/>
-          </a:xfrm>
-          <a:prstGeom prst="rect">
+            <a:off x="9530515" y="3749414"/>
+            <a:ext cx="244461" cy="250793"/>
+          </a:xfrm>
+          <a:prstGeom prst="mathPlus">
             <a:avLst/>
           </a:prstGeom>
           <a:solidFill>
-            <a:srgbClr val="00FFFF"/>
+            <a:schemeClr val="tx1"/>
           </a:solidFill>
-          <a:ln w="19050">
+          <a:ln>
             <a:solidFill>
               <a:schemeClr val="tx1"/>
             </a:solidFill>
@@ -5749,60 +5981,6 @@
           </a:p>
         </p:txBody>
       </p:sp>
-      <p:sp>
-        <p:nvSpPr>
-          <p:cNvPr id="14" name="Plus Sign 13">
-            <a:extLst>
-              <a:ext uri="{FF2B5EF4-FFF2-40B4-BE49-F238E27FC236}">
-                <a16:creationId xmlns:a16="http://schemas.microsoft.com/office/drawing/2014/main" id="{1FEBD60A-72B1-432A-A6C4-758B4337E9C8}"/>
-              </a:ext>
-            </a:extLst>
-          </p:cNvPr>
-          <p:cNvSpPr/>
-          <p:nvPr/>
-        </p:nvSpPr>
-        <p:spPr>
-          <a:xfrm>
-            <a:off x="8895101" y="3646865"/>
-            <a:ext cx="244461" cy="250793"/>
-          </a:xfrm>
-          <a:prstGeom prst="mathPlus">
-            <a:avLst/>
-          </a:prstGeom>
-          <a:solidFill>
-            <a:schemeClr val="tx1"/>
-          </a:solidFill>
-          <a:ln>
-            <a:solidFill>
-              <a:schemeClr val="tx1"/>
-            </a:solidFill>
-          </a:ln>
-        </p:spPr>
-        <p:style>
-          <a:lnRef idx="2">
-            <a:schemeClr val="accent1">
-              <a:shade val="50000"/>
-            </a:schemeClr>
-          </a:lnRef>
-          <a:fillRef idx="1">
-            <a:schemeClr val="accent1"/>
-          </a:fillRef>
-          <a:effectRef idx="0">
-            <a:schemeClr val="accent1"/>
-          </a:effectRef>
-          <a:fontRef idx="minor">
-            <a:schemeClr val="lt1"/>
-          </a:fontRef>
-        </p:style>
-        <p:txBody>
-          <a:bodyPr rtlCol="0" anchor="ctr"/>
-          <a:lstStyle/>
-          <a:p>
-            <a:pPr algn="ctr"/>
-            <a:endParaRPr lang="el-GR"/>
-          </a:p>
-        </p:txBody>
-      </p:sp>
       <p:pic>
         <p:nvPicPr>
           <p:cNvPr id="15" name="Picture 14">
@@ -5824,7 +6002,7 @@
         </p:blipFill>
         <p:spPr>
           <a:xfrm>
-            <a:off x="6402050" y="3043531"/>
+            <a:off x="7037464" y="3146080"/>
             <a:ext cx="815405" cy="385469"/>
           </a:xfrm>
           <a:prstGeom prst="rect">
@@ -5853,7 +6031,7 @@
         </p:blipFill>
         <p:spPr>
           <a:xfrm>
-            <a:off x="8609628" y="4119239"/>
+            <a:off x="9245042" y="4221788"/>
             <a:ext cx="815405" cy="381752"/>
           </a:xfrm>
           <a:prstGeom prst="rect">
@@ -5861,45 +6039,6 @@
           </a:prstGeom>
         </p:spPr>
       </p:pic>
-      <p:cxnSp>
-        <p:nvCxnSpPr>
-          <p:cNvPr id="6" name="Straight Arrow Connector 5">
-            <a:extLst>
-              <a:ext uri="{FF2B5EF4-FFF2-40B4-BE49-F238E27FC236}">
-                <a16:creationId xmlns:a16="http://schemas.microsoft.com/office/drawing/2014/main" id="{FEBC6CF1-F7A2-4B82-AD7B-4AC303B54D29}"/>
-              </a:ext>
-            </a:extLst>
-          </p:cNvPr>
-          <p:cNvCxnSpPr/>
-          <p:nvPr/>
-        </p:nvCxnSpPr>
-        <p:spPr>
-          <a:xfrm flipH="1">
-            <a:off x="3286794" y="4643036"/>
-            <a:ext cx="177554" cy="408372"/>
-          </a:xfrm>
-          <a:prstGeom prst="straightConnector1">
-            <a:avLst/>
-          </a:prstGeom>
-          <a:ln>
-            <a:tailEnd type="triangle"/>
-          </a:ln>
-        </p:spPr>
-        <p:style>
-          <a:lnRef idx="1">
-            <a:schemeClr val="dk1"/>
-          </a:lnRef>
-          <a:fillRef idx="0">
-            <a:schemeClr val="dk1"/>
-          </a:fillRef>
-          <a:effectRef idx="0">
-            <a:schemeClr val="dk1"/>
-          </a:effectRef>
-          <a:fontRef idx="minor">
-            <a:schemeClr val="tx1"/>
-          </a:fontRef>
-        </p:style>
-      </p:cxnSp>
       <p:sp>
         <p:nvSpPr>
           <p:cNvPr id="19" name="TextBox 18">
@@ -5914,7 +6053,7 @@
         </p:nvSpPr>
         <p:spPr>
           <a:xfrm>
-            <a:off x="5820208" y="4947171"/>
+            <a:off x="6455622" y="5049720"/>
             <a:ext cx="4396774" cy="707886"/>
           </a:xfrm>
           <a:prstGeom prst="rect">
@@ -5930,22 +6069,16 @@
           <a:p>
             <a:pPr algn="ctr"/>
             <a:r>
-              <a:rPr lang="el-GR" sz="2000" dirty="0">
+              <a:rPr lang="en-US" sz="2000" dirty="0">
                 <a:latin typeface="Times New Roman" panose="02020603050405020304" pitchFamily="18" charset="0"/>
                 <a:cs typeface="Times New Roman" panose="02020603050405020304" pitchFamily="18" charset="0"/>
               </a:rPr>
-              <a:t>Το ψάρι θα εμφανιστεί σύντομα</a:t>
-            </a:r>
-          </a:p>
-          <a:p>
-            <a:pPr algn="ctr"/>
-            <a:r>
-              <a:rPr lang="el-GR" sz="2000" dirty="0">
-                <a:latin typeface="Times New Roman" panose="02020603050405020304" pitchFamily="18" charset="0"/>
-                <a:cs typeface="Times New Roman" panose="02020603050405020304" pitchFamily="18" charset="0"/>
-              </a:rPr>
-              <a:t>στο σημείο που βρίσκεται το αστεράκι.</a:t>
-            </a:r>
+              <a:t>The fish will appear soon in the same location as the asterisk (*).</a:t>
+            </a:r>
+            <a:endParaRPr lang="el-GR" sz="2000" dirty="0">
+              <a:latin typeface="Times New Roman" panose="02020603050405020304" pitchFamily="18" charset="0"/>
+              <a:cs typeface="Times New Roman" panose="02020603050405020304" pitchFamily="18" charset="0"/>
+            </a:endParaRPr>
           </a:p>
         </p:txBody>
       </p:sp>
@@ -5965,7 +6098,7 @@
         </p:nvCxnSpPr>
         <p:spPr>
           <a:xfrm>
-            <a:off x="7160804" y="4553711"/>
+            <a:off x="7796218" y="4656260"/>
             <a:ext cx="410581" cy="382302"/>
           </a:xfrm>
           <a:prstGeom prst="straightConnector1">
@@ -6006,7 +6139,7 @@
         </p:nvCxnSpPr>
         <p:spPr>
           <a:xfrm flipH="1">
-            <a:off x="8609628" y="4577370"/>
+            <a:off x="9245042" y="4679919"/>
             <a:ext cx="408167" cy="371144"/>
           </a:xfrm>
           <a:prstGeom prst="straightConnector1">
@@ -6031,6 +6164,379 @@
           </a:fontRef>
         </p:style>
       </p:cxnSp>
+      <p:sp>
+        <p:nvSpPr>
+          <p:cNvPr id="18" name="Rectangle 17">
+            <a:extLst>
+              <a:ext uri="{FF2B5EF4-FFF2-40B4-BE49-F238E27FC236}">
+                <a16:creationId xmlns:a16="http://schemas.microsoft.com/office/drawing/2014/main" id="{F3A6C040-AE4F-4CB5-99EC-EEE7C43DA07F}"/>
+              </a:ext>
+            </a:extLst>
+          </p:cNvPr>
+          <p:cNvSpPr/>
+          <p:nvPr/>
+        </p:nvSpPr>
+        <p:spPr>
+          <a:xfrm>
+            <a:off x="1530389" y="3146080"/>
+            <a:ext cx="1997474" cy="1457460"/>
+          </a:xfrm>
+          <a:prstGeom prst="rect">
+            <a:avLst/>
+          </a:prstGeom>
+          <a:solidFill>
+            <a:srgbClr val="00FFFF"/>
+          </a:solidFill>
+          <a:ln w="19050">
+            <a:solidFill>
+              <a:schemeClr val="tx1"/>
+            </a:solidFill>
+          </a:ln>
+        </p:spPr>
+        <p:style>
+          <a:lnRef idx="2">
+            <a:schemeClr val="accent1">
+              <a:shade val="50000"/>
+            </a:schemeClr>
+          </a:lnRef>
+          <a:fillRef idx="1">
+            <a:schemeClr val="accent1"/>
+          </a:fillRef>
+          <a:effectRef idx="0">
+            <a:schemeClr val="accent1"/>
+          </a:effectRef>
+          <a:fontRef idx="minor">
+            <a:schemeClr val="lt1"/>
+          </a:fontRef>
+        </p:style>
+        <p:txBody>
+          <a:bodyPr rtlCol="0" anchor="ctr"/>
+          <a:lstStyle/>
+          <a:p>
+            <a:pPr algn="ctr"/>
+            <a:endParaRPr lang="el-GR"/>
+          </a:p>
+        </p:txBody>
+      </p:sp>
+      <p:sp>
+        <p:nvSpPr>
+          <p:cNvPr id="23" name="Rectangle 22">
+            <a:extLst>
+              <a:ext uri="{FF2B5EF4-FFF2-40B4-BE49-F238E27FC236}">
+                <a16:creationId xmlns:a16="http://schemas.microsoft.com/office/drawing/2014/main" id="{2F7D4EF5-2009-4938-B771-CDA45C464A81}"/>
+              </a:ext>
+            </a:extLst>
+          </p:cNvPr>
+          <p:cNvSpPr/>
+          <p:nvPr/>
+        </p:nvSpPr>
+        <p:spPr>
+          <a:xfrm>
+            <a:off x="3737968" y="3146080"/>
+            <a:ext cx="1997474" cy="1457460"/>
+          </a:xfrm>
+          <a:prstGeom prst="rect">
+            <a:avLst/>
+          </a:prstGeom>
+          <a:solidFill>
+            <a:srgbClr val="00FFFF"/>
+          </a:solidFill>
+          <a:ln w="19050">
+            <a:solidFill>
+              <a:schemeClr val="tx1"/>
+            </a:solidFill>
+          </a:ln>
+        </p:spPr>
+        <p:style>
+          <a:lnRef idx="2">
+            <a:schemeClr val="accent1">
+              <a:shade val="50000"/>
+            </a:schemeClr>
+          </a:lnRef>
+          <a:fillRef idx="1">
+            <a:schemeClr val="accent1"/>
+          </a:fillRef>
+          <a:effectRef idx="0">
+            <a:schemeClr val="accent1"/>
+          </a:effectRef>
+          <a:fontRef idx="minor">
+            <a:schemeClr val="lt1"/>
+          </a:fontRef>
+        </p:style>
+        <p:txBody>
+          <a:bodyPr rtlCol="0" anchor="ctr"/>
+          <a:lstStyle/>
+          <a:p>
+            <a:pPr algn="ctr"/>
+            <a:endParaRPr lang="el-GR"/>
+          </a:p>
+        </p:txBody>
+      </p:sp>
+      <p:sp>
+        <p:nvSpPr>
+          <p:cNvPr id="24" name="Plus Sign 23">
+            <a:extLst>
+              <a:ext uri="{FF2B5EF4-FFF2-40B4-BE49-F238E27FC236}">
+                <a16:creationId xmlns:a16="http://schemas.microsoft.com/office/drawing/2014/main" id="{6C636122-1F72-4864-B332-6421E5852788}"/>
+              </a:ext>
+            </a:extLst>
+          </p:cNvPr>
+          <p:cNvSpPr/>
+          <p:nvPr/>
+        </p:nvSpPr>
+        <p:spPr>
+          <a:xfrm>
+            <a:off x="4614474" y="3749413"/>
+            <a:ext cx="244461" cy="250793"/>
+          </a:xfrm>
+          <a:prstGeom prst="mathPlus">
+            <a:avLst/>
+          </a:prstGeom>
+          <a:solidFill>
+            <a:schemeClr val="tx1"/>
+          </a:solidFill>
+          <a:ln>
+            <a:solidFill>
+              <a:schemeClr val="tx1"/>
+            </a:solidFill>
+          </a:ln>
+        </p:spPr>
+        <p:style>
+          <a:lnRef idx="2">
+            <a:schemeClr val="accent1">
+              <a:shade val="50000"/>
+            </a:schemeClr>
+          </a:lnRef>
+          <a:fillRef idx="1">
+            <a:schemeClr val="accent1"/>
+          </a:fillRef>
+          <a:effectRef idx="0">
+            <a:schemeClr val="accent1"/>
+          </a:effectRef>
+          <a:fontRef idx="minor">
+            <a:schemeClr val="lt1"/>
+          </a:fontRef>
+        </p:style>
+        <p:txBody>
+          <a:bodyPr rtlCol="0" anchor="ctr"/>
+          <a:lstStyle/>
+          <a:p>
+            <a:pPr algn="ctr"/>
+            <a:endParaRPr lang="el-GR"/>
+          </a:p>
+        </p:txBody>
+      </p:sp>
+      <p:pic>
+        <p:nvPicPr>
+          <p:cNvPr id="25" name="Picture 24">
+            <a:extLst>
+              <a:ext uri="{FF2B5EF4-FFF2-40B4-BE49-F238E27FC236}">
+                <a16:creationId xmlns:a16="http://schemas.microsoft.com/office/drawing/2014/main" id="{A384D17D-6824-4B0D-A20C-DA8937FBAB4D}"/>
+              </a:ext>
+            </a:extLst>
+          </p:cNvPr>
+          <p:cNvPicPr>
+            <a:picLocks noChangeAspect="1"/>
+          </p:cNvPicPr>
+          <p:nvPr/>
+        </p:nvPicPr>
+        <p:blipFill rotWithShape="1">
+          <a:blip r:embed="rId2"/>
+          <a:srcRect t="17571" b="44902"/>
+          <a:stretch/>
+        </p:blipFill>
+        <p:spPr>
+          <a:xfrm>
+            <a:off x="2121423" y="3682074"/>
+            <a:ext cx="815405" cy="385469"/>
+          </a:xfrm>
+          <a:prstGeom prst="rect">
+            <a:avLst/>
+          </a:prstGeom>
+        </p:spPr>
+      </p:pic>
+      <p:pic>
+        <p:nvPicPr>
+          <p:cNvPr id="26" name="Picture 25">
+            <a:extLst>
+              <a:ext uri="{FF2B5EF4-FFF2-40B4-BE49-F238E27FC236}">
+                <a16:creationId xmlns:a16="http://schemas.microsoft.com/office/drawing/2014/main" id="{365251E4-F341-4C33-9CBA-7D84D7C18B82}"/>
+              </a:ext>
+            </a:extLst>
+          </p:cNvPr>
+          <p:cNvPicPr>
+            <a:picLocks noChangeAspect="1"/>
+          </p:cNvPicPr>
+          <p:nvPr/>
+        </p:nvPicPr>
+        <p:blipFill rotWithShape="1">
+          <a:blip r:embed="rId2"/>
+          <a:srcRect t="20485" b="42351"/>
+          <a:stretch/>
+        </p:blipFill>
+        <p:spPr>
+          <a:xfrm>
+            <a:off x="4329001" y="4221787"/>
+            <a:ext cx="815405" cy="381752"/>
+          </a:xfrm>
+          <a:prstGeom prst="rect">
+            <a:avLst/>
+          </a:prstGeom>
+        </p:spPr>
+      </p:pic>
+      <p:cxnSp>
+        <p:nvCxnSpPr>
+          <p:cNvPr id="27" name="Straight Arrow Connector 26">
+            <a:extLst>
+              <a:ext uri="{FF2B5EF4-FFF2-40B4-BE49-F238E27FC236}">
+                <a16:creationId xmlns:a16="http://schemas.microsoft.com/office/drawing/2014/main" id="{C33AEEED-D99A-45C9-AD59-9243EECE9A42}"/>
+              </a:ext>
+            </a:extLst>
+          </p:cNvPr>
+          <p:cNvCxnSpPr>
+            <a:cxnSpLocks/>
+          </p:cNvCxnSpPr>
+          <p:nvPr/>
+        </p:nvCxnSpPr>
+        <p:spPr>
+          <a:xfrm>
+            <a:off x="2880177" y="4656259"/>
+            <a:ext cx="410581" cy="382302"/>
+          </a:xfrm>
+          <a:prstGeom prst="straightConnector1">
+            <a:avLst/>
+          </a:prstGeom>
+          <a:ln>
+            <a:tailEnd type="triangle"/>
+          </a:ln>
+        </p:spPr>
+        <p:style>
+          <a:lnRef idx="1">
+            <a:schemeClr val="dk1"/>
+          </a:lnRef>
+          <a:fillRef idx="0">
+            <a:schemeClr val="dk1"/>
+          </a:fillRef>
+          <a:effectRef idx="0">
+            <a:schemeClr val="dk1"/>
+          </a:effectRef>
+          <a:fontRef idx="minor">
+            <a:schemeClr val="tx1"/>
+          </a:fontRef>
+        </p:style>
+      </p:cxnSp>
+      <p:cxnSp>
+        <p:nvCxnSpPr>
+          <p:cNvPr id="28" name="Straight Arrow Connector 27">
+            <a:extLst>
+              <a:ext uri="{FF2B5EF4-FFF2-40B4-BE49-F238E27FC236}">
+                <a16:creationId xmlns:a16="http://schemas.microsoft.com/office/drawing/2014/main" id="{209EEAD4-8EAE-4992-990C-BDBFF77FE198}"/>
+              </a:ext>
+            </a:extLst>
+          </p:cNvPr>
+          <p:cNvCxnSpPr>
+            <a:cxnSpLocks/>
+          </p:cNvCxnSpPr>
+          <p:nvPr/>
+        </p:nvCxnSpPr>
+        <p:spPr>
+          <a:xfrm flipH="1">
+            <a:off x="4329001" y="4679918"/>
+            <a:ext cx="408167" cy="371144"/>
+          </a:xfrm>
+          <a:prstGeom prst="straightConnector1">
+            <a:avLst/>
+          </a:prstGeom>
+          <a:ln>
+            <a:tailEnd type="triangle"/>
+          </a:ln>
+        </p:spPr>
+        <p:style>
+          <a:lnRef idx="1">
+            <a:schemeClr val="dk1"/>
+          </a:lnRef>
+          <a:fillRef idx="0">
+            <a:schemeClr val="dk1"/>
+          </a:fillRef>
+          <a:effectRef idx="0">
+            <a:schemeClr val="dk1"/>
+          </a:effectRef>
+          <a:fontRef idx="minor">
+            <a:schemeClr val="tx1"/>
+          </a:fontRef>
+        </p:style>
+      </p:cxnSp>
+      <p:pic>
+        <p:nvPicPr>
+          <p:cNvPr id="29" name="Picture 28">
+            <a:extLst>
+              <a:ext uri="{FF2B5EF4-FFF2-40B4-BE49-F238E27FC236}">
+                <a16:creationId xmlns:a16="http://schemas.microsoft.com/office/drawing/2014/main" id="{AA8C7EDF-2EED-452C-B1C0-C511CCB543C0}"/>
+              </a:ext>
+            </a:extLst>
+          </p:cNvPr>
+          <p:cNvPicPr>
+            <a:picLocks noChangeAspect="1"/>
+          </p:cNvPicPr>
+          <p:nvPr/>
+        </p:nvPicPr>
+        <p:blipFill rotWithShape="1">
+          <a:blip r:embed="rId2"/>
+          <a:srcRect t="20485" b="42351"/>
+          <a:stretch/>
+        </p:blipFill>
+        <p:spPr>
+          <a:xfrm>
+            <a:off x="4329000" y="3147938"/>
+            <a:ext cx="815405" cy="381752"/>
+          </a:xfrm>
+          <a:prstGeom prst="rect">
+            <a:avLst/>
+          </a:prstGeom>
+        </p:spPr>
+      </p:pic>
+      <p:sp>
+        <p:nvSpPr>
+          <p:cNvPr id="30" name="TextBox 29">
+            <a:extLst>
+              <a:ext uri="{FF2B5EF4-FFF2-40B4-BE49-F238E27FC236}">
+                <a16:creationId xmlns:a16="http://schemas.microsoft.com/office/drawing/2014/main" id="{44499921-4C5E-44EC-BDB3-23794E1E81A6}"/>
+              </a:ext>
+            </a:extLst>
+          </p:cNvPr>
+          <p:cNvSpPr txBox="1"/>
+          <p:nvPr/>
+        </p:nvSpPr>
+        <p:spPr>
+          <a:xfrm>
+            <a:off x="4259968" y="6373430"/>
+            <a:ext cx="3970947" cy="369332"/>
+          </a:xfrm>
+          <a:prstGeom prst="rect">
+            <a:avLst/>
+          </a:prstGeom>
+          <a:solidFill>
+            <a:schemeClr val="bg2"/>
+          </a:solidFill>
+          <a:ln>
+            <a:solidFill>
+              <a:schemeClr val="tx1"/>
+            </a:solidFill>
+          </a:ln>
+        </p:spPr>
+        <p:txBody>
+          <a:bodyPr wrap="square" rtlCol="0">
+            <a:spAutoFit/>
+          </a:bodyPr>
+          <a:lstStyle/>
+          <a:p>
+            <a:r>
+              <a:rPr lang="en-US" dirty="0"/>
+              <a:t>Press SPACEBAR to continue instructions</a:t>
+            </a:r>
+          </a:p>
+        </p:txBody>
+      </p:sp>
     </p:spTree>
     <p:extLst>
       <p:ext uri="{BB962C8B-B14F-4D97-AF65-F5344CB8AC3E}">
@@ -6121,10 +6627,27 @@
                 <a:spcPct val="150000"/>
               </a:lnSpc>
             </a:pPr>
-            <a:endParaRPr lang="el-GR" sz="2200" dirty="0">
-              <a:latin typeface="Times New Roman" panose="02020603050405020304" pitchFamily="18" charset="0"/>
-              <a:cs typeface="Times New Roman" panose="02020603050405020304" pitchFamily="18" charset="0"/>
-            </a:endParaRPr>
+            <a:r>
+              <a:rPr lang="en-US" sz="2200" dirty="0">
+                <a:latin typeface="Times New Roman" panose="02020603050405020304" pitchFamily="18" charset="0"/>
+                <a:cs typeface="Times New Roman" panose="02020603050405020304" pitchFamily="18" charset="0"/>
+              </a:rPr>
+              <a:t>Once the fish appears</a:t>
+            </a:r>
+            <a:r>
+              <a:rPr lang="el-GR" sz="2200" dirty="0">
+                <a:latin typeface="Times New Roman" panose="02020603050405020304" pitchFamily="18" charset="0"/>
+                <a:cs typeface="Times New Roman" panose="02020603050405020304" pitchFamily="18" charset="0"/>
+              </a:rPr>
+              <a:t>, </a:t>
+            </a:r>
+            <a:r>
+              <a:rPr lang="en-US" sz="2200" dirty="0">
+                <a:latin typeface="Times New Roman" panose="02020603050405020304" pitchFamily="18" charset="0"/>
+                <a:cs typeface="Times New Roman" panose="02020603050405020304" pitchFamily="18" charset="0"/>
+              </a:rPr>
+              <a:t>try to feed the central fish as fast as you can, but not so fast that you will make many mistakes. </a:t>
+            </a:r>
           </a:p>
           <a:p>
             <a:pPr algn="ctr">
@@ -6144,12 +6667,16 @@
               </a:lnSpc>
             </a:pPr>
             <a:r>
-              <a:rPr lang="el-GR" sz="2200" dirty="0">
+              <a:rPr lang="en-US" sz="2200" dirty="0">
                 <a:latin typeface="Times New Roman" panose="02020603050405020304" pitchFamily="18" charset="0"/>
                 <a:cs typeface="Times New Roman" panose="02020603050405020304" pitchFamily="18" charset="0"/>
               </a:rPr>
-              <a:t>Όταν εμφανιστεί το ψαράκι με την παρέα του, προσπάθησε να ταΐσεις </a:t>
-            </a:r>
+              <a:t>The game will tell you if you responded correctly or not.</a:t>
+            </a:r>
+            <a:endParaRPr lang="el-GR" sz="2200" dirty="0">
+              <a:latin typeface="Times New Roman" panose="02020603050405020304" pitchFamily="18" charset="0"/>
+              <a:cs typeface="Times New Roman" panose="02020603050405020304" pitchFamily="18" charset="0"/>
+            </a:endParaRPr>
           </a:p>
           <a:p>
             <a:pPr algn="ctr">
@@ -6158,90 +6685,12 @@
               </a:lnSpc>
             </a:pPr>
             <a:r>
-              <a:rPr lang="el-GR" sz="2200" dirty="0">
+              <a:rPr lang="en-US" sz="2200" b="1" dirty="0">
                 <a:latin typeface="Times New Roman" panose="02020603050405020304" pitchFamily="18" charset="0"/>
                 <a:cs typeface="Times New Roman" panose="02020603050405020304" pitchFamily="18" charset="0"/>
               </a:rPr>
-              <a:t>το μεσαίο από αυτά όσο πιο γρήγορα μπορείς, αλλά χωρίς να βιαστείς.</a:t>
-            </a:r>
-          </a:p>
-          <a:p>
-            <a:pPr algn="ctr">
-              <a:lnSpc>
-                <a:spcPct val="150000"/>
-              </a:lnSpc>
-            </a:pPr>
-            <a:r>
-              <a:rPr lang="el-GR" sz="2200" dirty="0">
-                <a:latin typeface="Times New Roman" panose="02020603050405020304" pitchFamily="18" charset="0"/>
-                <a:cs typeface="Times New Roman" panose="02020603050405020304" pitchFamily="18" charset="0"/>
-              </a:rPr>
-              <a:t> </a:t>
-            </a:r>
-          </a:p>
-          <a:p>
-            <a:pPr algn="ctr">
-              <a:lnSpc>
-                <a:spcPct val="150000"/>
-              </a:lnSpc>
-            </a:pPr>
-            <a:r>
-              <a:rPr lang="el-GR" sz="2200" dirty="0">
-                <a:latin typeface="Times New Roman" panose="02020603050405020304" pitchFamily="18" charset="0"/>
-                <a:cs typeface="Times New Roman" panose="02020603050405020304" pitchFamily="18" charset="0"/>
-              </a:rPr>
-              <a:t>Ο υπολογιστής θα σου πει εάν απάντησες σωστά ή λανθασμένα.</a:t>
-            </a:r>
-          </a:p>
-          <a:p>
-            <a:pPr algn="ctr">
-              <a:lnSpc>
-                <a:spcPct val="150000"/>
-              </a:lnSpc>
-            </a:pPr>
-            <a:r>
-              <a:rPr lang="el-GR" sz="2200" b="1" dirty="0">
-                <a:latin typeface="Times New Roman" panose="02020603050405020304" pitchFamily="18" charset="0"/>
-                <a:cs typeface="Times New Roman" panose="02020603050405020304" pitchFamily="18" charset="0"/>
-              </a:rPr>
-              <a:t>Σε αυτό το παιχνίδι υπάρχουν </a:t>
-            </a:r>
-            <a:r>
-              <a:rPr lang="en-GB" sz="2200" b="1" dirty="0">
-                <a:latin typeface="Times New Roman" panose="02020603050405020304" pitchFamily="18" charset="0"/>
-                <a:cs typeface="Times New Roman" panose="02020603050405020304" pitchFamily="18" charset="0"/>
-              </a:rPr>
-              <a:t>4</a:t>
-            </a:r>
-            <a:r>
-              <a:rPr lang="el-GR" sz="2200" b="1" dirty="0">
-                <a:latin typeface="Times New Roman" panose="02020603050405020304" pitchFamily="18" charset="0"/>
-                <a:cs typeface="Times New Roman" panose="02020603050405020304" pitchFamily="18" charset="0"/>
-              </a:rPr>
-              <a:t> διαφορετικά στάδια</a:t>
-            </a:r>
-            <a:r>
-              <a:rPr lang="en-GB" sz="2200" b="1" dirty="0">
-                <a:latin typeface="Times New Roman" panose="02020603050405020304" pitchFamily="18" charset="0"/>
-                <a:cs typeface="Times New Roman" panose="02020603050405020304" pitchFamily="18" charset="0"/>
-              </a:rPr>
-              <a:t>:</a:t>
-            </a:r>
-            <a:endParaRPr lang="el-GR" sz="2200" dirty="0">
-              <a:latin typeface="Times New Roman" panose="02020603050405020304" pitchFamily="18" charset="0"/>
-              <a:cs typeface="Times New Roman" panose="02020603050405020304" pitchFamily="18" charset="0"/>
-            </a:endParaRPr>
-          </a:p>
-          <a:p>
-            <a:pPr algn="ctr">
-              <a:lnSpc>
-                <a:spcPct val="150000"/>
-              </a:lnSpc>
-            </a:pPr>
-            <a:endParaRPr lang="el-GR" sz="2200" dirty="0">
-              <a:latin typeface="Times New Roman" panose="02020603050405020304" pitchFamily="18" charset="0"/>
-              <a:cs typeface="Times New Roman" panose="02020603050405020304" pitchFamily="18" charset="0"/>
-            </a:endParaRPr>
+              <a:t>In this game, there are 5 different parts:</a:t>
+            </a:r>
           </a:p>
           <a:p>
             <a:pPr algn="ctr">
@@ -6361,6 +6810,16 @@
           <a:p>
             <a:pPr algn="ctr"/>
             <a:r>
+              <a:rPr lang="en-US" sz="4500" dirty="0">
+                <a:solidFill>
+                  <a:schemeClr val="tx1"/>
+                </a:solidFill>
+                <a:latin typeface="Times New Roman" panose="02020603050405020304" pitchFamily="18" charset="0"/>
+                <a:cs typeface="Times New Roman" panose="02020603050405020304" pitchFamily="18" charset="0"/>
+              </a:rPr>
+              <a:t>Feed the hungry fish</a:t>
+            </a:r>
+            <a:r>
               <a:rPr lang="el-GR" sz="4500" dirty="0">
                 <a:solidFill>
                   <a:schemeClr val="tx1"/>
@@ -6368,7 +6827,7 @@
                 <a:latin typeface="Times New Roman" panose="02020603050405020304" pitchFamily="18" charset="0"/>
                 <a:cs typeface="Times New Roman" panose="02020603050405020304" pitchFamily="18" charset="0"/>
               </a:rPr>
-              <a:t>Τάισε το πεινασμένο ψάρι!</a:t>
+              <a:t>!</a:t>
             </a:r>
           </a:p>
         </p:txBody>
@@ -6387,8 +6846,8 @@
         </p:nvSpPr>
         <p:spPr>
           <a:xfrm>
-            <a:off x="3121890" y="4317943"/>
-            <a:ext cx="6158325" cy="1077218"/>
+            <a:off x="3121888" y="3752085"/>
+            <a:ext cx="6158325" cy="769441"/>
           </a:xfrm>
           <a:prstGeom prst="rect">
             <a:avLst/>
@@ -6406,30 +6865,13 @@
               <a:buChar char="•"/>
             </a:pPr>
             <a:r>
-              <a:rPr lang="el-GR" sz="2200" dirty="0">
+              <a:rPr lang="en-US" sz="2200" dirty="0">
                 <a:latin typeface="Times New Roman" panose="02020603050405020304" pitchFamily="18" charset="0"/>
                 <a:cs typeface="Times New Roman" panose="02020603050405020304" pitchFamily="18" charset="0"/>
               </a:rPr>
-              <a:t>Το πρώτο στάδιο είναι δοκιμαστικό, για να μάθεις τους</a:t>
-            </a:r>
-            <a:r>
-              <a:rPr lang="en-GB" sz="2200" dirty="0">
-                <a:latin typeface="Times New Roman" panose="02020603050405020304" pitchFamily="18" charset="0"/>
-                <a:cs typeface="Times New Roman" panose="02020603050405020304" pitchFamily="18" charset="0"/>
-              </a:rPr>
-              <a:t> </a:t>
-            </a:r>
-            <a:r>
-              <a:rPr lang="el-GR" sz="2200" dirty="0">
-                <a:latin typeface="Times New Roman" panose="02020603050405020304" pitchFamily="18" charset="0"/>
-                <a:cs typeface="Times New Roman" panose="02020603050405020304" pitchFamily="18" charset="0"/>
-              </a:rPr>
-              <a:t>κανόνες του παιχνιδιού.</a:t>
-            </a:r>
-          </a:p>
-          <a:p>
-            <a:pPr algn="ctr"/>
-            <a:endParaRPr lang="el-GR" sz="2000" dirty="0">
+              <a:t>The first part is for practice, to get to know the rules of the game. </a:t>
+            </a:r>
+            <a:endParaRPr lang="el-GR" sz="2200" dirty="0">
               <a:latin typeface="Times New Roman" panose="02020603050405020304" pitchFamily="18" charset="0"/>
               <a:cs typeface="Times New Roman" panose="02020603050405020304" pitchFamily="18" charset="0"/>
             </a:endParaRPr>
@@ -6450,7 +6892,7 @@
         </p:nvSpPr>
         <p:spPr>
           <a:xfrm>
-            <a:off x="2911785" y="5218639"/>
+            <a:off x="2417381" y="4521526"/>
             <a:ext cx="6158325" cy="907941"/>
           </a:xfrm>
           <a:prstGeom prst="rect">
@@ -6472,12 +6914,16 @@
               <a:buChar char="•"/>
             </a:pPr>
             <a:r>
-              <a:rPr lang="el-GR" sz="2200" dirty="0">
+              <a:rPr lang="en-US" sz="2200" dirty="0">
                 <a:latin typeface="Times New Roman" panose="02020603050405020304" pitchFamily="18" charset="0"/>
                 <a:cs typeface="Times New Roman" panose="02020603050405020304" pitchFamily="18" charset="0"/>
               </a:rPr>
-              <a:t>Τα τρία επόμενα είναι το πραγματικό παιχνίδι.</a:t>
-            </a:r>
+              <a:t>The next four parts are the real game!</a:t>
+            </a:r>
+            <a:endParaRPr lang="el-GR" sz="2200" dirty="0">
+              <a:latin typeface="Times New Roman" panose="02020603050405020304" pitchFamily="18" charset="0"/>
+              <a:cs typeface="Times New Roman" panose="02020603050405020304" pitchFamily="18" charset="0"/>
+            </a:endParaRPr>
           </a:p>
           <a:p>
             <a:pPr algn="ctr"/>
@@ -6502,7 +6948,7 @@
         </p:nvSpPr>
         <p:spPr>
           <a:xfrm>
-            <a:off x="1935332" y="5952912"/>
+            <a:off x="1198524" y="5195800"/>
             <a:ext cx="8859915" cy="539378"/>
           </a:xfrm>
           <a:prstGeom prst="rect">
@@ -6522,30 +6968,58 @@
               </a:lnSpc>
             </a:pPr>
             <a:r>
-              <a:rPr lang="el-GR" sz="2200" dirty="0">
+              <a:rPr lang="en-US" sz="2200" dirty="0">
                 <a:latin typeface="Times New Roman" panose="02020603050405020304" pitchFamily="18" charset="0"/>
                 <a:cs typeface="Times New Roman" panose="02020603050405020304" pitchFamily="18" charset="0"/>
               </a:rPr>
-              <a:t>Ο υπολογιστής</a:t>
-            </a:r>
-            <a:r>
-              <a:rPr lang="en-GB" sz="2200" dirty="0">
-                <a:latin typeface="Times New Roman" panose="02020603050405020304" pitchFamily="18" charset="0"/>
-                <a:cs typeface="Times New Roman" panose="02020603050405020304" pitchFamily="18" charset="0"/>
-              </a:rPr>
-              <a:t> </a:t>
-            </a:r>
-            <a:r>
-              <a:rPr lang="el-GR" sz="2200" dirty="0">
-                <a:latin typeface="Times New Roman" panose="02020603050405020304" pitchFamily="18" charset="0"/>
-                <a:cs typeface="Times New Roman" panose="02020603050405020304" pitchFamily="18" charset="0"/>
-              </a:rPr>
-              <a:t>θα σε ειδοποιήσει πότε μπορείς να κάνεις μικρά διαλείμματα.</a:t>
+              <a:t>The game will allow you to take short breaks. </a:t>
             </a:r>
             <a:endParaRPr lang="el-GR" sz="2000" dirty="0">
               <a:latin typeface="Times New Roman" panose="02020603050405020304" pitchFamily="18" charset="0"/>
               <a:cs typeface="Times New Roman" panose="02020603050405020304" pitchFamily="18" charset="0"/>
             </a:endParaRPr>
+          </a:p>
+        </p:txBody>
+      </p:sp>
+      <p:sp>
+        <p:nvSpPr>
+          <p:cNvPr id="7" name="TextBox 6">
+            <a:extLst>
+              <a:ext uri="{FF2B5EF4-FFF2-40B4-BE49-F238E27FC236}">
+                <a16:creationId xmlns:a16="http://schemas.microsoft.com/office/drawing/2014/main" id="{B6CD9796-7FFF-4367-A9F9-C4AEDA9A4337}"/>
+              </a:ext>
+            </a:extLst>
+          </p:cNvPr>
+          <p:cNvSpPr txBox="1"/>
+          <p:nvPr/>
+        </p:nvSpPr>
+        <p:spPr>
+          <a:xfrm>
+            <a:off x="4259968" y="6373430"/>
+            <a:ext cx="3970947" cy="369332"/>
+          </a:xfrm>
+          <a:prstGeom prst="rect">
+            <a:avLst/>
+          </a:prstGeom>
+          <a:solidFill>
+            <a:schemeClr val="bg2"/>
+          </a:solidFill>
+          <a:ln>
+            <a:solidFill>
+              <a:schemeClr val="tx1"/>
+            </a:solidFill>
+          </a:ln>
+        </p:spPr>
+        <p:txBody>
+          <a:bodyPr wrap="square" rtlCol="0">
+            <a:spAutoFit/>
+          </a:bodyPr>
+          <a:lstStyle/>
+          <a:p>
+            <a:r>
+              <a:rPr lang="en-US" dirty="0"/>
+              <a:t>Press SPACEBAR to continue instructions</a:t>
+            </a:r>
           </a:p>
         </p:txBody>
       </p:sp>
@@ -6762,6 +7236,16 @@
           <a:p>
             <a:pPr algn="ctr"/>
             <a:r>
+              <a:rPr lang="en-US" sz="4500" dirty="0">
+                <a:solidFill>
+                  <a:schemeClr val="tx1"/>
+                </a:solidFill>
+                <a:latin typeface="Times New Roman" panose="02020603050405020304" pitchFamily="18" charset="0"/>
+                <a:cs typeface="Times New Roman" panose="02020603050405020304" pitchFamily="18" charset="0"/>
+              </a:rPr>
+              <a:t>Feed the hungry fish</a:t>
+            </a:r>
+            <a:r>
               <a:rPr lang="el-GR" sz="4500" dirty="0">
                 <a:solidFill>
                   <a:schemeClr val="tx1"/>
@@ -6769,7 +7253,7 @@
                 <a:latin typeface="Times New Roman" panose="02020603050405020304" pitchFamily="18" charset="0"/>
                 <a:cs typeface="Times New Roman" panose="02020603050405020304" pitchFamily="18" charset="0"/>
               </a:rPr>
-              <a:t>Τάισε το πεινασμένο ψάρι!</a:t>
+              <a:t>!</a:t>
             </a:r>
           </a:p>
         </p:txBody>
@@ -6789,7 +7273,7 @@
         <p:spPr>
           <a:xfrm>
             <a:off x="3121890" y="1654922"/>
-            <a:ext cx="6158325" cy="861774"/>
+            <a:ext cx="6158325" cy="477054"/>
           </a:xfrm>
           <a:prstGeom prst="rect">
             <a:avLst/>
@@ -6804,11 +7288,11 @@
           <a:p>
             <a:pPr algn="ctr"/>
             <a:r>
-              <a:rPr lang="el-GR" sz="2500" dirty="0">
+              <a:rPr lang="en-US" sz="2500" dirty="0">
                 <a:latin typeface="Times New Roman" panose="02020603050405020304" pitchFamily="18" charset="0"/>
                 <a:cs typeface="Times New Roman" panose="02020603050405020304" pitchFamily="18" charset="0"/>
               </a:rPr>
-              <a:t>Είσαι έτοιμος/η για την πρώτο (δοκιμαστικό) στάδιο</a:t>
+              <a:t>Are you ready to practice</a:t>
             </a:r>
             <a:r>
               <a:rPr lang="en-GB" sz="2500" dirty="0">
@@ -6854,6 +7338,48 @@
           </a:prstGeom>
         </p:spPr>
       </p:pic>
+      <p:sp>
+        <p:nvSpPr>
+          <p:cNvPr id="6" name="TextBox 5">
+            <a:extLst>
+              <a:ext uri="{FF2B5EF4-FFF2-40B4-BE49-F238E27FC236}">
+                <a16:creationId xmlns:a16="http://schemas.microsoft.com/office/drawing/2014/main" id="{9AF7BBF1-8E4B-4BE9-B0E4-FF0CC0C4F220}"/>
+              </a:ext>
+            </a:extLst>
+          </p:cNvPr>
+          <p:cNvSpPr txBox="1"/>
+          <p:nvPr/>
+        </p:nvSpPr>
+        <p:spPr>
+          <a:xfrm>
+            <a:off x="4827607" y="6369887"/>
+            <a:ext cx="2746888" cy="369332"/>
+          </a:xfrm>
+          <a:prstGeom prst="rect">
+            <a:avLst/>
+          </a:prstGeom>
+          <a:solidFill>
+            <a:schemeClr val="bg2"/>
+          </a:solidFill>
+          <a:ln>
+            <a:solidFill>
+              <a:schemeClr val="tx1"/>
+            </a:solidFill>
+          </a:ln>
+        </p:spPr>
+        <p:txBody>
+          <a:bodyPr wrap="square" rtlCol="0">
+            <a:spAutoFit/>
+          </a:bodyPr>
+          <a:lstStyle/>
+          <a:p>
+            <a:r>
+              <a:rPr lang="en-US" dirty="0"/>
+              <a:t>Press SPACEBAR to practice</a:t>
+            </a:r>
+          </a:p>
+        </p:txBody>
+      </p:sp>
     </p:spTree>
     <p:extLst>
       <p:ext uri="{BB962C8B-B14F-4D97-AF65-F5344CB8AC3E}">
@@ -7067,6 +7593,16 @@
           <a:p>
             <a:pPr algn="ctr"/>
             <a:r>
+              <a:rPr lang="en-US" sz="4500" dirty="0">
+                <a:solidFill>
+                  <a:schemeClr val="tx1"/>
+                </a:solidFill>
+                <a:latin typeface="Times New Roman" panose="02020603050405020304" pitchFamily="18" charset="0"/>
+                <a:cs typeface="Times New Roman" panose="02020603050405020304" pitchFamily="18" charset="0"/>
+              </a:rPr>
+              <a:t>Feed the hungry fish</a:t>
+            </a:r>
+            <a:r>
               <a:rPr lang="el-GR" sz="4500" dirty="0">
                 <a:solidFill>
                   <a:schemeClr val="tx1"/>
@@ -7074,7 +7610,7 @@
                 <a:latin typeface="Times New Roman" panose="02020603050405020304" pitchFamily="18" charset="0"/>
                 <a:cs typeface="Times New Roman" panose="02020603050405020304" pitchFamily="18" charset="0"/>
               </a:rPr>
-              <a:t>Τάισε το πεινασμένο ψάρι!</a:t>
+              <a:t>!</a:t>
             </a:r>
           </a:p>
         </p:txBody>
@@ -7108,22 +7644,36 @@
           <a:lstStyle/>
           <a:p>
             <a:pPr algn="ctr"/>
+            <a:r>
+              <a:rPr lang="en-US" sz="2500" dirty="0">
+                <a:latin typeface="Times New Roman" panose="02020603050405020304" pitchFamily="18" charset="0"/>
+                <a:cs typeface="Times New Roman" panose="02020603050405020304" pitchFamily="18" charset="0"/>
+              </a:rPr>
+              <a:t>The practice is over</a:t>
+            </a:r>
             <a:r>
               <a:rPr lang="el-GR" sz="2500" dirty="0">
                 <a:latin typeface="Times New Roman" panose="02020603050405020304" pitchFamily="18" charset="0"/>
                 <a:cs typeface="Times New Roman" panose="02020603050405020304" pitchFamily="18" charset="0"/>
               </a:rPr>
-              <a:t>Το δοκιμαστικό στάδιο ολοκληρώθηκε. </a:t>
+              <a:t>. </a:t>
             </a:r>
           </a:p>
           <a:p>
             <a:pPr algn="ctr"/>
+            <a:r>
+              <a:rPr lang="en-US" sz="2500" dirty="0">
+                <a:latin typeface="Times New Roman" panose="02020603050405020304" pitchFamily="18" charset="0"/>
+                <a:cs typeface="Times New Roman" panose="02020603050405020304" pitchFamily="18" charset="0"/>
+              </a:rPr>
+              <a:t>Great job!</a:t>
+            </a:r>
             <a:r>
               <a:rPr lang="el-GR" sz="2500" dirty="0">
                 <a:latin typeface="Times New Roman" panose="02020603050405020304" pitchFamily="18" charset="0"/>
                 <a:cs typeface="Times New Roman" panose="02020603050405020304" pitchFamily="18" charset="0"/>
               </a:rPr>
-              <a:t>Τα πήγες περίφημα. </a:t>
+              <a:t> </a:t>
             </a:r>
           </a:p>
           <a:p>
@@ -7136,11 +7686,18 @@
           <a:p>
             <a:pPr algn="ctr"/>
             <a:r>
+              <a:rPr lang="en-US" sz="2500" dirty="0">
+                <a:latin typeface="Times New Roman" panose="02020603050405020304" pitchFamily="18" charset="0"/>
+                <a:cs typeface="Times New Roman" panose="02020603050405020304" pitchFamily="18" charset="0"/>
+              </a:rPr>
+              <a:t>Get ready because the real game begins now</a:t>
+            </a:r>
+            <a:r>
               <a:rPr lang="el-GR" sz="2500" dirty="0">
                 <a:latin typeface="Times New Roman" panose="02020603050405020304" pitchFamily="18" charset="0"/>
                 <a:cs typeface="Times New Roman" panose="02020603050405020304" pitchFamily="18" charset="0"/>
               </a:rPr>
-              <a:t>Ετοιμάσου γιατί το πραγματικό παιχνίδι τώρα ξεκινάει!!!</a:t>
+              <a:t>!!!</a:t>
             </a:r>
           </a:p>
         </p:txBody>
@@ -7175,6 +7732,48 @@
           </a:prstGeom>
         </p:spPr>
       </p:pic>
+      <p:sp>
+        <p:nvSpPr>
+          <p:cNvPr id="6" name="TextBox 5">
+            <a:extLst>
+              <a:ext uri="{FF2B5EF4-FFF2-40B4-BE49-F238E27FC236}">
+                <a16:creationId xmlns:a16="http://schemas.microsoft.com/office/drawing/2014/main" id="{39F324C4-D473-4F2F-AA43-E2DF1E6A5CB0}"/>
+              </a:ext>
+            </a:extLst>
+          </p:cNvPr>
+          <p:cNvSpPr txBox="1"/>
+          <p:nvPr/>
+        </p:nvSpPr>
+        <p:spPr>
+          <a:xfrm>
+            <a:off x="4259968" y="6373430"/>
+            <a:ext cx="3970947" cy="369332"/>
+          </a:xfrm>
+          <a:prstGeom prst="rect">
+            <a:avLst/>
+          </a:prstGeom>
+          <a:solidFill>
+            <a:schemeClr val="bg2"/>
+          </a:solidFill>
+          <a:ln>
+            <a:solidFill>
+              <a:schemeClr val="tx1"/>
+            </a:solidFill>
+          </a:ln>
+        </p:spPr>
+        <p:txBody>
+          <a:bodyPr wrap="square" rtlCol="0">
+            <a:spAutoFit/>
+          </a:bodyPr>
+          <a:lstStyle/>
+          <a:p>
+            <a:r>
+              <a:rPr lang="en-US" dirty="0"/>
+              <a:t>Press SPACEBAR to proceed to the game</a:t>
+            </a:r>
+          </a:p>
+        </p:txBody>
+      </p:sp>
     </p:spTree>
     <p:extLst>
       <p:ext uri="{BB962C8B-B14F-4D97-AF65-F5344CB8AC3E}">
@@ -7256,15 +7855,22 @@
           <a:p>
             <a:pPr algn="ctr"/>
             <a:r>
-              <a:rPr lang="el-GR" sz="4500" dirty="0">
+              <a:rPr lang="en-US" sz="4500" dirty="0">
                 <a:solidFill>
                   <a:schemeClr val="tx1"/>
                 </a:solidFill>
                 <a:latin typeface="Times New Roman" panose="02020603050405020304" pitchFamily="18" charset="0"/>
                 <a:cs typeface="Times New Roman" panose="02020603050405020304" pitchFamily="18" charset="0"/>
               </a:rPr>
-              <a:t>Ερεθίσματα</a:t>
-            </a:r>
+              <a:t>Stimuli</a:t>
+            </a:r>
+            <a:endParaRPr lang="el-GR" sz="4500" dirty="0">
+              <a:solidFill>
+                <a:schemeClr val="tx1"/>
+              </a:solidFill>
+              <a:latin typeface="Times New Roman" panose="02020603050405020304" pitchFamily="18" charset="0"/>
+              <a:cs typeface="Times New Roman" panose="02020603050405020304" pitchFamily="18" charset="0"/>
+            </a:endParaRPr>
           </a:p>
         </p:txBody>
       </p:sp>
